--- a/Final Presentation.pptx
+++ b/Final Presentation.pptx
@@ -5,13 +5,14 @@
     <p:sldMasterId id="2147483648" r:id="rId1"/>
   </p:sldMasterIdLst>
   <p:notesMasterIdLst>
-    <p:notesMasterId r:id="rId6"/>
+    <p:notesMasterId r:id="rId7"/>
   </p:notesMasterIdLst>
   <p:sldIdLst>
     <p:sldId id="1788" r:id="rId2"/>
     <p:sldId id="374" r:id="rId3"/>
     <p:sldId id="712" r:id="rId4"/>
     <p:sldId id="455" r:id="rId5"/>
+    <p:sldId id="1789" r:id="rId6"/>
   </p:sldIdLst>
   <p:sldSz cx="12192000" cy="6858000"/>
   <p:notesSz cx="6858000" cy="9144000"/>
@@ -200,7 +201,7 @@
           <a:p>
             <a:fld id="{817345C8-E845-4577-B0D5-17E7C6889CF0}" type="datetimeFigureOut">
               <a:rPr lang="en-US" smtClean="0"/>
-              <a:t>1/6/2023</a:t>
+              <a:t>1/12/2023</a:t>
             </a:fld>
             <a:endParaRPr lang="en-US"/>
           </a:p>
@@ -892,7 +893,7 @@
           <a:p>
             <a:fld id="{E3E5E3DF-5CED-439C-91C1-CD18ACBD68FB}" type="datetimeFigureOut">
               <a:rPr lang="en-US" smtClean="0"/>
-              <a:t>1/6/2023</a:t>
+              <a:t>1/12/2023</a:t>
             </a:fld>
             <a:endParaRPr lang="en-US"/>
           </a:p>
@@ -1090,7 +1091,7 @@
           <a:p>
             <a:fld id="{E3E5E3DF-5CED-439C-91C1-CD18ACBD68FB}" type="datetimeFigureOut">
               <a:rPr lang="en-US" smtClean="0"/>
-              <a:t>1/6/2023</a:t>
+              <a:t>1/12/2023</a:t>
             </a:fld>
             <a:endParaRPr lang="en-US"/>
           </a:p>
@@ -1298,7 +1299,7 @@
           <a:p>
             <a:fld id="{E3E5E3DF-5CED-439C-91C1-CD18ACBD68FB}" type="datetimeFigureOut">
               <a:rPr lang="en-US" smtClean="0"/>
-              <a:t>1/6/2023</a:t>
+              <a:t>1/12/2023</a:t>
             </a:fld>
             <a:endParaRPr lang="en-US"/>
           </a:p>
@@ -3696,7 +3697,7 @@
           <a:graphicData uri="http://schemas.openxmlformats.org/presentationml/2006/ole">
             <mc:AlternateContent xmlns:mc="http://schemas.openxmlformats.org/markup-compatibility/2006">
               <mc:Choice xmlns:v="urn:schemas-microsoft-com:vml" Requires="v">
-                <p:oleObj spid="_x0000_s1029" name="think-cell Slide" r:id="rId4" imgW="425" imgH="426" progId="TCLayout.ActiveDocument.1">
+                <p:oleObj spid="_x0000_s1032" name="think-cell Slide" r:id="rId4" imgW="425" imgH="426" progId="TCLayout.ActiveDocument.1">
                   <p:embed/>
                 </p:oleObj>
               </mc:Choice>
@@ -3964,7 +3965,7 @@
           <a:p>
             <a:fld id="{E3E5E3DF-5CED-439C-91C1-CD18ACBD68FB}" type="datetimeFigureOut">
               <a:rPr lang="en-US" smtClean="0"/>
-              <a:t>1/6/2023</a:t>
+              <a:t>1/12/2023</a:t>
             </a:fld>
             <a:endParaRPr lang="en-US"/>
           </a:p>
@@ -4239,7 +4240,7 @@
           <a:p>
             <a:fld id="{E3E5E3DF-5CED-439C-91C1-CD18ACBD68FB}" type="datetimeFigureOut">
               <a:rPr lang="en-US" smtClean="0"/>
-              <a:t>1/6/2023</a:t>
+              <a:t>1/12/2023</a:t>
             </a:fld>
             <a:endParaRPr lang="en-US"/>
           </a:p>
@@ -4504,7 +4505,7 @@
           <a:p>
             <a:fld id="{E3E5E3DF-5CED-439C-91C1-CD18ACBD68FB}" type="datetimeFigureOut">
               <a:rPr lang="en-US" smtClean="0"/>
-              <a:t>1/6/2023</a:t>
+              <a:t>1/12/2023</a:t>
             </a:fld>
             <a:endParaRPr lang="en-US"/>
           </a:p>
@@ -4916,7 +4917,7 @@
           <a:p>
             <a:fld id="{E3E5E3DF-5CED-439C-91C1-CD18ACBD68FB}" type="datetimeFigureOut">
               <a:rPr lang="en-US" smtClean="0"/>
-              <a:t>1/6/2023</a:t>
+              <a:t>1/12/2023</a:t>
             </a:fld>
             <a:endParaRPr lang="en-US"/>
           </a:p>
@@ -5057,7 +5058,7 @@
           <a:p>
             <a:fld id="{E3E5E3DF-5CED-439C-91C1-CD18ACBD68FB}" type="datetimeFigureOut">
               <a:rPr lang="en-US" smtClean="0"/>
-              <a:t>1/6/2023</a:t>
+              <a:t>1/12/2023</a:t>
             </a:fld>
             <a:endParaRPr lang="en-US"/>
           </a:p>
@@ -5170,7 +5171,7 @@
           <a:p>
             <a:fld id="{E3E5E3DF-5CED-439C-91C1-CD18ACBD68FB}" type="datetimeFigureOut">
               <a:rPr lang="en-US" smtClean="0"/>
-              <a:t>1/6/2023</a:t>
+              <a:t>1/12/2023</a:t>
             </a:fld>
             <a:endParaRPr lang="en-US"/>
           </a:p>
@@ -5481,7 +5482,7 @@
           <a:p>
             <a:fld id="{E3E5E3DF-5CED-439C-91C1-CD18ACBD68FB}" type="datetimeFigureOut">
               <a:rPr lang="en-US" smtClean="0"/>
-              <a:t>1/6/2023</a:t>
+              <a:t>1/12/2023</a:t>
             </a:fld>
             <a:endParaRPr lang="en-US"/>
           </a:p>
@@ -5769,7 +5770,7 @@
           <a:p>
             <a:fld id="{E3E5E3DF-5CED-439C-91C1-CD18ACBD68FB}" type="datetimeFigureOut">
               <a:rPr lang="en-US" smtClean="0"/>
-              <a:t>1/6/2023</a:t>
+              <a:t>1/12/2023</a:t>
             </a:fld>
             <a:endParaRPr lang="en-US"/>
           </a:p>
@@ -6010,7 +6011,7 @@
           <a:p>
             <a:fld id="{E3E5E3DF-5CED-439C-91C1-CD18ACBD68FB}" type="datetimeFigureOut">
               <a:rPr lang="en-US" smtClean="0"/>
-              <a:t>1/6/2023</a:t>
+              <a:t>1/12/2023</a:t>
             </a:fld>
             <a:endParaRPr lang="en-US"/>
           </a:p>
@@ -9442,16 +9443,8 @@
                 <a:ea typeface="Open Sans Light" panose="020B0306030504020204" pitchFamily="34" charset="0"/>
                 <a:cs typeface="Open Sans Light" panose="020B0306030504020204" pitchFamily="34" charset="0"/>
               </a:rPr>
-              <a:t>Results</a:t>
+              <a:t>Results: MNB Model</a:t>
             </a:r>
-            <a:endParaRPr lang="en-US" sz="2400" dirty="0">
-              <a:solidFill>
-                <a:schemeClr val="tx1"/>
-              </a:solidFill>
-              <a:latin typeface="Open Sans Light" panose="020B0306030504020204" pitchFamily="34" charset="0"/>
-              <a:ea typeface="Open Sans Light" panose="020B0306030504020204" pitchFamily="34" charset="0"/>
-              <a:cs typeface="Open Sans Light" panose="020B0306030504020204" pitchFamily="34" charset="0"/>
-            </a:endParaRPr>
           </a:p>
         </p:txBody>
       </p:sp>
@@ -9470,14 +9463,14 @@
           <p:nvPr>
             <p:extLst>
               <p:ext uri="{D42A27DB-BD31-4B8C-83A1-F6EECF244321}">
-                <p14:modId xmlns:p14="http://schemas.microsoft.com/office/powerpoint/2010/main" val="2159011965"/>
+                <p14:modId xmlns:p14="http://schemas.microsoft.com/office/powerpoint/2010/main" val="1453840696"/>
               </p:ext>
             </p:extLst>
           </p:nvPr>
         </p:nvGraphicFramePr>
         <p:xfrm>
-          <a:off x="850352" y="1399943"/>
-          <a:ext cx="5057902" cy="5348329"/>
+          <a:off x="236636" y="1987511"/>
+          <a:ext cx="5564314" cy="1076960"/>
         </p:xfrm>
         <a:graphic>
           <a:graphicData uri="http://schemas.openxmlformats.org/drawingml/2006/table">
@@ -9486,7 +9479,7 @@
                 <a:tableStyleId>{5C22544A-7EE6-4342-B048-85BDC9FD1C3A}</a:tableStyleId>
               </a:tblPr>
               <a:tblGrid>
-                <a:gridCol w="5057902">
+                <a:gridCol w="5564314">
                   <a:extLst>
                     <a:ext uri="{9D8B030D-6E8A-4147-A177-3AD203B41FA5}">
                       <a16:colId xmlns:a16="http://schemas.microsoft.com/office/drawing/2014/main" val="20000"/>
@@ -9494,47 +9487,11 @@
                   </a:extLst>
                 </a:gridCol>
               </a:tblGrid>
-              <a:tr h="5348329">
+              <a:tr h="1050742">
                 <a:tc>
                   <a:txBody>
                     <a:bodyPr/>
                     <a:lstStyle/>
-                    <a:p>
-                      <a:pPr marL="0" marR="0" lvl="0" indent="0" algn="l" defTabSz="914400" rtl="0" eaLnBrk="1" fontAlgn="auto" latinLnBrk="0" hangingPunct="1">
-                        <a:lnSpc>
-                          <a:spcPct val="100000"/>
-                        </a:lnSpc>
-                        <a:spcBef>
-                          <a:spcPts val="0"/>
-                        </a:spcBef>
-                        <a:spcAft>
-                          <a:spcPts val="1000"/>
-                        </a:spcAft>
-                        <a:buClrTx/>
-                        <a:buSzPct val="100000"/>
-                        <a:buFont typeface="Arial" panose="020B0604020202020204" pitchFamily="34" charset="0"/>
-                        <a:buNone/>
-                        <a:tabLst/>
-                        <a:defRPr/>
-                      </a:pPr>
-                      <a:r>
-                        <a:rPr kumimoji="0" lang="en-US" sz="1600" b="1" i="0" u="none" strike="noStrike" kern="1200" cap="none" spc="0" normalizeH="0" baseline="0" noProof="0" dirty="0">
-                          <a:ln>
-                            <a:noFill/>
-                          </a:ln>
-                          <a:solidFill>
-                            <a:srgbClr val="1ED760"/>
-                          </a:solidFill>
-                          <a:effectLst/>
-                          <a:uLnTx/>
-                          <a:uFillTx/>
-                          <a:latin typeface="+mj-lt"/>
-                          <a:ea typeface="+mn-ea"/>
-                          <a:cs typeface="Calibri Light" panose="020F0302020204030204" pitchFamily="34" charset="0"/>
-                        </a:rPr>
-                        <a:t>MNB Model</a:t>
-                      </a:r>
-                    </a:p>
                     <a:p>
                       <a:pPr marL="285750" marR="0" lvl="2" indent="-285750" algn="l" defTabSz="914400" rtl="0" eaLnBrk="1" fontAlgn="auto" latinLnBrk="0" hangingPunct="1">
                         <a:lnSpc>
@@ -9554,12 +9511,12 @@
                         <a:defRPr/>
                       </a:pPr>
                       <a:r>
-                        <a:rPr kumimoji="0" lang="en-GB" sz="1400" b="0" i="0" u="none" strike="noStrike" kern="1200" cap="none" spc="0" normalizeH="0" baseline="0" noProof="0" dirty="0">
+                        <a:rPr kumimoji="0" lang="en-GB" sz="1600" b="1" i="0" u="none" strike="noStrike" kern="1200" cap="none" spc="0" normalizeH="0" baseline="0" noProof="0" dirty="0">
                           <a:ln>
                             <a:noFill/>
                           </a:ln>
                           <a:solidFill>
-                            <a:prstClr val="black"/>
+                            <a:schemeClr val="tx1"/>
                           </a:solidFill>
                           <a:effectLst/>
                           <a:uLnTx/>
@@ -9568,7 +9525,24 @@
                           <a:ea typeface="+mn-ea"/>
                           <a:cs typeface="Calibri Light" panose="020F0302020204030204" pitchFamily="34" charset="0"/>
                         </a:rPr>
-                        <a:t>Ratings: 67% accuracy </a:t>
+                        <a:t>Ratings: </a:t>
+                      </a:r>
+                      <a:r>
+                        <a:rPr kumimoji="0" lang="en-GB" sz="1600" b="1" i="0" u="none" strike="noStrike" kern="1200" cap="none" spc="0" normalizeH="0" baseline="0" noProof="0" dirty="0">
+                          <a:ln>
+                            <a:noFill/>
+                          </a:ln>
+                          <a:solidFill>
+                            <a:srgbClr val="61E992"/>
+                          </a:solidFill>
+                          <a:effectLst/>
+                          <a:uLnTx/>
+                          <a:uFillTx/>
+                          <a:latin typeface="+mn-lt"/>
+                          <a:ea typeface="+mn-ea"/>
+                          <a:cs typeface="Calibri Light" panose="020F0302020204030204" pitchFamily="34" charset="0"/>
+                        </a:rPr>
+                        <a:t>67% accuracy </a:t>
                       </a:r>
                     </a:p>
                     <a:p>
@@ -9586,138 +9560,6 @@
                         <a:buSzPct val="100000"/>
                         <a:buFont typeface="Arial" panose="020B0604020202020204" pitchFamily="34" charset="0"/>
                         <a:buNone/>
-                        <a:tabLst/>
-                        <a:defRPr/>
-                      </a:pPr>
-                      <a:endParaRPr kumimoji="0" lang="en-GB" sz="1300" b="0" i="0" u="none" strike="noStrike" kern="1200" cap="none" spc="0" normalizeH="0" baseline="0" noProof="0" dirty="0">
-                        <a:ln>
-                          <a:noFill/>
-                        </a:ln>
-                        <a:solidFill>
-                          <a:prstClr val="black"/>
-                        </a:solidFill>
-                        <a:effectLst/>
-                        <a:uLnTx/>
-                        <a:uFillTx/>
-                        <a:latin typeface="+mn-lt"/>
-                        <a:ea typeface="+mn-ea"/>
-                        <a:cs typeface="Calibri Light" panose="020F0302020204030204" pitchFamily="34" charset="0"/>
-                      </a:endParaRPr>
-                    </a:p>
-                    <a:p>
-                      <a:pPr marL="285750" marR="0" lvl="2" indent="-285750" algn="l" defTabSz="914400" rtl="0" eaLnBrk="1" fontAlgn="auto" latinLnBrk="0" hangingPunct="1">
-                        <a:lnSpc>
-                          <a:spcPct val="100000"/>
-                        </a:lnSpc>
-                        <a:spcBef>
-                          <a:spcPts val="0"/>
-                        </a:spcBef>
-                        <a:spcAft>
-                          <a:spcPts val="1000"/>
-                        </a:spcAft>
-                        <a:buClrTx/>
-                        <a:buSzPct val="100000"/>
-                        <a:buFont typeface="Arial" panose="020B0604020202020204" pitchFamily="34" charset="0"/>
-                        <a:buChar char="•"/>
-                        <a:tabLst/>
-                        <a:defRPr/>
-                      </a:pPr>
-                      <a:endParaRPr kumimoji="0" lang="en-GB" sz="1300" b="0" i="0" u="none" strike="noStrike" kern="1200" cap="none" spc="0" normalizeH="0" baseline="0" noProof="0" dirty="0">
-                        <a:ln>
-                          <a:noFill/>
-                        </a:ln>
-                        <a:solidFill>
-                          <a:prstClr val="black"/>
-                        </a:solidFill>
-                        <a:effectLst/>
-                        <a:uLnTx/>
-                        <a:uFillTx/>
-                        <a:latin typeface="+mn-lt"/>
-                        <a:ea typeface="+mn-ea"/>
-                        <a:cs typeface="Calibri Light" panose="020F0302020204030204" pitchFamily="34" charset="0"/>
-                      </a:endParaRPr>
-                    </a:p>
-                    <a:p>
-                      <a:pPr marL="285750" marR="0" lvl="2" indent="-285750" algn="l" defTabSz="914400" rtl="0" eaLnBrk="1" fontAlgn="auto" latinLnBrk="0" hangingPunct="1">
-                        <a:lnSpc>
-                          <a:spcPct val="100000"/>
-                        </a:lnSpc>
-                        <a:spcBef>
-                          <a:spcPts val="0"/>
-                        </a:spcBef>
-                        <a:spcAft>
-                          <a:spcPts val="1000"/>
-                        </a:spcAft>
-                        <a:buClrTx/>
-                        <a:buSzPct val="100000"/>
-                        <a:buFont typeface="Arial" panose="020B0604020202020204" pitchFamily="34" charset="0"/>
-                        <a:buChar char="•"/>
-                        <a:tabLst/>
-                        <a:defRPr/>
-                      </a:pPr>
-                      <a:endParaRPr kumimoji="0" lang="en-GB" sz="1300" b="0" i="0" u="none" strike="noStrike" kern="1200" cap="none" spc="0" normalizeH="0" baseline="0" noProof="0" dirty="0">
-                        <a:ln>
-                          <a:noFill/>
-                        </a:ln>
-                        <a:solidFill>
-                          <a:prstClr val="black"/>
-                        </a:solidFill>
-                        <a:effectLst/>
-                        <a:uLnTx/>
-                        <a:uFillTx/>
-                        <a:latin typeface="+mn-lt"/>
-                        <a:ea typeface="+mn-ea"/>
-                        <a:cs typeface="Calibri Light" panose="020F0302020204030204" pitchFamily="34" charset="0"/>
-                      </a:endParaRPr>
-                    </a:p>
-                    <a:p>
-                      <a:pPr marL="285750" marR="0" lvl="2" indent="-285750" algn="l" defTabSz="914400" rtl="0" eaLnBrk="1" fontAlgn="auto" latinLnBrk="0" hangingPunct="1">
-                        <a:lnSpc>
-                          <a:spcPct val="100000"/>
-                        </a:lnSpc>
-                        <a:spcBef>
-                          <a:spcPts val="0"/>
-                        </a:spcBef>
-                        <a:spcAft>
-                          <a:spcPts val="1000"/>
-                        </a:spcAft>
-                        <a:buClrTx/>
-                        <a:buSzPct val="100000"/>
-                        <a:buFont typeface="Arial" panose="020B0604020202020204" pitchFamily="34" charset="0"/>
-                        <a:buChar char="•"/>
-                        <a:tabLst/>
-                        <a:defRPr/>
-                      </a:pPr>
-                      <a:endParaRPr kumimoji="0" lang="en-GB" sz="1300" b="0" i="0" u="none" strike="noStrike" kern="1200" cap="none" spc="0" normalizeH="0" baseline="0" noProof="0" dirty="0">
-                        <a:ln>
-                          <a:noFill/>
-                        </a:ln>
-                        <a:solidFill>
-                          <a:prstClr val="black"/>
-                        </a:solidFill>
-                        <a:effectLst/>
-                        <a:uLnTx/>
-                        <a:uFillTx/>
-                        <a:latin typeface="+mn-lt"/>
-                        <a:ea typeface="+mn-ea"/>
-                        <a:cs typeface="Calibri Light" panose="020F0302020204030204" pitchFamily="34" charset="0"/>
-                      </a:endParaRPr>
-                    </a:p>
-                    <a:p>
-                      <a:pPr marL="285750" marR="0" lvl="2" indent="-285750" algn="l" defTabSz="914400" rtl="0" eaLnBrk="1" fontAlgn="auto" latinLnBrk="0" hangingPunct="1">
-                        <a:lnSpc>
-                          <a:spcPct val="100000"/>
-                        </a:lnSpc>
-                        <a:spcBef>
-                          <a:spcPts val="0"/>
-                        </a:spcBef>
-                        <a:spcAft>
-                          <a:spcPts val="1000"/>
-                        </a:spcAft>
-                        <a:buClrTx/>
-                        <a:buSzPct val="100000"/>
-                        <a:buFont typeface="Arial" panose="020B0604020202020204" pitchFamily="34" charset="0"/>
-                        <a:buChar char="•"/>
                         <a:tabLst/>
                         <a:defRPr/>
                       </a:pPr>
@@ -9769,6 +9611,264 @@
                         <a:cs typeface="Calibri Light" panose="020F0302020204030204" pitchFamily="34" charset="0"/>
                       </a:endParaRPr>
                     </a:p>
+                  </a:txBody>
+                  <a:tcPr marL="91510" marR="91510" marT="137160">
+                    <a:lnL w="12700" cmpd="sng">
+                      <a:noFill/>
+                    </a:lnL>
+                    <a:lnR w="12700" cmpd="sng">
+                      <a:noFill/>
+                    </a:lnR>
+                    <a:lnT w="12700" cap="flat" cmpd="sng" algn="ctr">
+                      <a:solidFill>
+                        <a:srgbClr val="1ED760"/>
+                      </a:solidFill>
+                      <a:prstDash val="solid"/>
+                      <a:round/>
+                      <a:headEnd type="none" w="med" len="med"/>
+                      <a:tailEnd type="none" w="med" len="med"/>
+                    </a:lnT>
+                    <a:lnB w="9525" cap="flat" cmpd="sng" algn="ctr">
+                      <a:noFill/>
+                      <a:prstDash val="solid"/>
+                      <a:round/>
+                      <a:headEnd type="none" w="med" len="med"/>
+                      <a:tailEnd type="none" w="med" len="med"/>
+                    </a:lnB>
+                    <a:lnTlToBr w="12700" cmpd="sng">
+                      <a:noFill/>
+                      <a:prstDash val="solid"/>
+                    </a:lnTlToBr>
+                    <a:lnBlToTr w="12700" cmpd="sng">
+                      <a:noFill/>
+                      <a:prstDash val="solid"/>
+                    </a:lnBlToTr>
+                    <a:solidFill>
+                      <a:schemeClr val="bg1">
+                        <a:lumMod val="95000"/>
+                      </a:schemeClr>
+                    </a:solidFill>
+                  </a:tcPr>
+                </a:tc>
+                <a:extLst>
+                  <a:ext uri="{0D108BD9-81ED-4DB2-BD59-A6C34878D82A}">
+                    <a16:rowId xmlns:a16="http://schemas.microsoft.com/office/drawing/2014/main" val="10000"/>
+                  </a:ext>
+                </a:extLst>
+              </a:tr>
+            </a:tbl>
+          </a:graphicData>
+        </a:graphic>
+      </p:graphicFrame>
+      <p:pic>
+        <p:nvPicPr>
+          <p:cNvPr id="3" name="Picture 2" descr="A screenshot of a computer&#10;&#10;Description automatically generated with medium confidence">
+            <a:extLst>
+              <a:ext uri="{FF2B5EF4-FFF2-40B4-BE49-F238E27FC236}">
+                <a16:creationId xmlns:a16="http://schemas.microsoft.com/office/drawing/2014/main" id="{6115EEC7-B85E-4FAE-8D5A-98EE382D1D26}"/>
+              </a:ext>
+            </a:extLst>
+          </p:cNvPr>
+          <p:cNvPicPr>
+            <a:picLocks noChangeAspect="1"/>
+          </p:cNvPicPr>
+          <p:nvPr/>
+        </p:nvPicPr>
+        <p:blipFill rotWithShape="1">
+          <a:blip r:embed="rId2">
+            <a:extLst>
+              <a:ext uri="{28A0092B-C50C-407E-A947-70E740481C1C}">
+                <a14:useLocalDpi xmlns:a14="http://schemas.microsoft.com/office/drawing/2010/main" val="0"/>
+              </a:ext>
+            </a:extLst>
+          </a:blip>
+          <a:srcRect l="-727" t="4989" r="6126" b="6434"/>
+          <a:stretch/>
+        </p:blipFill>
+        <p:spPr>
+          <a:xfrm>
+            <a:off x="5800950" y="1078641"/>
+            <a:ext cx="5807663" cy="2751501"/>
+          </a:xfrm>
+          <a:prstGeom prst="rect">
+            <a:avLst/>
+          </a:prstGeom>
+          <a:ln w="19050">
+            <a:solidFill>
+              <a:schemeClr val="tx1"/>
+            </a:solidFill>
+          </a:ln>
+        </p:spPr>
+      </p:pic>
+      <p:sp>
+        <p:nvSpPr>
+          <p:cNvPr id="4" name="Rectangle 3">
+            <a:extLst>
+              <a:ext uri="{FF2B5EF4-FFF2-40B4-BE49-F238E27FC236}">
+                <a16:creationId xmlns:a16="http://schemas.microsoft.com/office/drawing/2014/main" id="{BE92E669-AAFC-4DAD-AF96-2EB8BD7AE7F1}"/>
+              </a:ext>
+            </a:extLst>
+          </p:cNvPr>
+          <p:cNvSpPr/>
+          <p:nvPr/>
+        </p:nvSpPr>
+        <p:spPr>
+          <a:xfrm>
+            <a:off x="9846027" y="3039933"/>
+            <a:ext cx="616449" cy="268346"/>
+          </a:xfrm>
+          <a:prstGeom prst="rect">
+            <a:avLst/>
+          </a:prstGeom>
+          <a:noFill/>
+          <a:ln w="19050">
+            <a:solidFill>
+              <a:srgbClr val="FF0000"/>
+            </a:solidFill>
+          </a:ln>
+        </p:spPr>
+        <p:style>
+          <a:lnRef idx="2">
+            <a:schemeClr val="accent1">
+              <a:shade val="50000"/>
+            </a:schemeClr>
+          </a:lnRef>
+          <a:fillRef idx="1">
+            <a:schemeClr val="accent1"/>
+          </a:fillRef>
+          <a:effectRef idx="0">
+            <a:schemeClr val="accent1"/>
+          </a:effectRef>
+          <a:fontRef idx="minor">
+            <a:schemeClr val="lt1"/>
+          </a:fontRef>
+        </p:style>
+        <p:txBody>
+          <a:bodyPr rtlCol="0" anchor="ctr"/>
+          <a:lstStyle/>
+          <a:p>
+            <a:pPr algn="ctr"/>
+            <a:endParaRPr lang="en-US"/>
+          </a:p>
+        </p:txBody>
+      </p:sp>
+      <p:pic>
+        <p:nvPicPr>
+          <p:cNvPr id="17" name="Picture 16" descr="A screenshot of a computer&#10;&#10;Description automatically generated with medium confidence">
+            <a:extLst>
+              <a:ext uri="{FF2B5EF4-FFF2-40B4-BE49-F238E27FC236}">
+                <a16:creationId xmlns:a16="http://schemas.microsoft.com/office/drawing/2014/main" id="{AC95D0DB-E28B-4955-943F-84C66A9D078F}"/>
+              </a:ext>
+            </a:extLst>
+          </p:cNvPr>
+          <p:cNvPicPr>
+            <a:picLocks noChangeAspect="1"/>
+          </p:cNvPicPr>
+          <p:nvPr/>
+        </p:nvPicPr>
+        <p:blipFill rotWithShape="1">
+          <a:blip r:embed="rId3">
+            <a:extLst>
+              <a:ext uri="{28A0092B-C50C-407E-A947-70E740481C1C}">
+                <a14:useLocalDpi xmlns:a14="http://schemas.microsoft.com/office/drawing/2010/main" val="0"/>
+              </a:ext>
+            </a:extLst>
+          </a:blip>
+          <a:srcRect l="2171" t="8405" r="4349" b="7478"/>
+          <a:stretch/>
+        </p:blipFill>
+        <p:spPr>
+          <a:xfrm>
+            <a:off x="5800950" y="4228234"/>
+            <a:ext cx="5807663" cy="2368234"/>
+          </a:xfrm>
+          <a:prstGeom prst="rect">
+            <a:avLst/>
+          </a:prstGeom>
+          <a:ln w="19050">
+            <a:solidFill>
+              <a:schemeClr val="tx1"/>
+            </a:solidFill>
+          </a:ln>
+        </p:spPr>
+      </p:pic>
+      <p:graphicFrame>
+        <p:nvGraphicFramePr>
+          <p:cNvPr id="12" name="Content Placeholder 6">
+            <a:extLst>
+              <a:ext uri="{FF2B5EF4-FFF2-40B4-BE49-F238E27FC236}">
+                <a16:creationId xmlns:a16="http://schemas.microsoft.com/office/drawing/2014/main" id="{5AE5114B-49E3-4EB6-8EEF-467477C876B9}"/>
+              </a:ext>
+            </a:extLst>
+          </p:cNvPr>
+          <p:cNvGraphicFramePr>
+            <a:graphicFrameLocks/>
+          </p:cNvGraphicFramePr>
+          <p:nvPr>
+            <p:extLst>
+              <p:ext uri="{D42A27DB-BD31-4B8C-83A1-F6EECF244321}">
+                <p14:modId xmlns:p14="http://schemas.microsoft.com/office/powerpoint/2010/main" val="705151172"/>
+              </p:ext>
+            </p:extLst>
+          </p:nvPr>
+        </p:nvGraphicFramePr>
+        <p:xfrm>
+          <a:off x="216087" y="4886979"/>
+          <a:ext cx="5564314" cy="1092200"/>
+        </p:xfrm>
+        <a:graphic>
+          <a:graphicData uri="http://schemas.openxmlformats.org/drawingml/2006/table">
+            <a:tbl>
+              <a:tblPr firstRow="1" bandRow="1">
+                <a:tableStyleId>{5C22544A-7EE6-4342-B048-85BDC9FD1C3A}</a:tableStyleId>
+              </a:tblPr>
+              <a:tblGrid>
+                <a:gridCol w="5564314">
+                  <a:extLst>
+                    <a:ext uri="{9D8B030D-6E8A-4147-A177-3AD203B41FA5}">
+                      <a16:colId xmlns:a16="http://schemas.microsoft.com/office/drawing/2014/main" val="20000"/>
+                    </a:ext>
+                  </a:extLst>
+                </a:gridCol>
+              </a:tblGrid>
+              <a:tr h="1050743">
+                <a:tc>
+                  <a:txBody>
+                    <a:bodyPr/>
+                    <a:lstStyle/>
+                    <a:p>
+                      <a:pPr marL="0" marR="0" lvl="2" indent="0" algn="l" defTabSz="914400" rtl="0" eaLnBrk="1" fontAlgn="auto" latinLnBrk="0" hangingPunct="1">
+                        <a:lnSpc>
+                          <a:spcPct val="100000"/>
+                        </a:lnSpc>
+                        <a:spcBef>
+                          <a:spcPts val="0"/>
+                        </a:spcBef>
+                        <a:spcAft>
+                          <a:spcPts val="1000"/>
+                        </a:spcAft>
+                        <a:buClrTx/>
+                        <a:buSzPct val="100000"/>
+                        <a:buFont typeface="Arial" panose="020B0604020202020204" pitchFamily="34" charset="0"/>
+                        <a:buNone/>
+                        <a:tabLst/>
+                        <a:defRPr/>
+                      </a:pPr>
+                      <a:endParaRPr kumimoji="0" lang="en-GB" sz="1400" b="1" i="0" u="none" strike="noStrike" kern="1200" cap="none" spc="0" normalizeH="0" baseline="0" noProof="0" dirty="0">
+                        <a:ln>
+                          <a:noFill/>
+                        </a:ln>
+                        <a:solidFill>
+                          <a:srgbClr val="61E992"/>
+                        </a:solidFill>
+                        <a:effectLst/>
+                        <a:uLnTx/>
+                        <a:uFillTx/>
+                        <a:latin typeface="+mn-lt"/>
+                        <a:ea typeface="+mn-ea"/>
+                        <a:cs typeface="Calibri Light" panose="020F0302020204030204" pitchFamily="34" charset="0"/>
+                      </a:endParaRPr>
+                    </a:p>
                     <a:p>
                       <a:pPr marL="285750" marR="0" lvl="2" indent="-285750" algn="l" defTabSz="914400" rtl="0" eaLnBrk="1" fontAlgn="auto" latinLnBrk="0" hangingPunct="1">
                         <a:lnSpc>
@@ -9788,12 +9888,12 @@
                         <a:defRPr/>
                       </a:pPr>
                       <a:r>
-                        <a:rPr kumimoji="0" lang="en-GB" sz="1400" b="0" i="0" u="none" strike="noStrike" kern="1200" cap="none" spc="0" normalizeH="0" baseline="0" noProof="0" dirty="0">
+                        <a:rPr kumimoji="0" lang="en-GB" sz="1600" b="1" i="0" u="none" strike="noStrike" kern="1200" cap="none" spc="0" normalizeH="0" baseline="0" noProof="0" dirty="0">
                           <a:ln>
                             <a:noFill/>
                           </a:ln>
                           <a:solidFill>
-                            <a:prstClr val="black"/>
+                            <a:schemeClr val="tx1"/>
                           </a:solidFill>
                           <a:effectLst/>
                           <a:uLnTx/>
@@ -9802,7 +9902,24 @@
                           <a:ea typeface="+mn-ea"/>
                           <a:cs typeface="Calibri Light" panose="020F0302020204030204" pitchFamily="34" charset="0"/>
                         </a:rPr>
-                        <a:t>Sentiment Analysis: 80% accuracy </a:t>
+                        <a:t>Sentiment Analysis: </a:t>
+                      </a:r>
+                      <a:r>
+                        <a:rPr kumimoji="0" lang="en-GB" sz="1600" b="1" i="0" u="none" strike="noStrike" kern="1200" cap="none" spc="0" normalizeH="0" baseline="0" noProof="0" dirty="0">
+                          <a:ln>
+                            <a:noFill/>
+                          </a:ln>
+                          <a:solidFill>
+                            <a:srgbClr val="61E992"/>
+                          </a:solidFill>
+                          <a:effectLst/>
+                          <a:uLnTx/>
+                          <a:uFillTx/>
+                          <a:latin typeface="+mn-lt"/>
+                          <a:ea typeface="+mn-ea"/>
+                          <a:cs typeface="Calibri Light" panose="020F0302020204030204" pitchFamily="34" charset="0"/>
+                        </a:rPr>
+                        <a:t>80% accuracy </a:t>
                       </a:r>
                     </a:p>
                     <a:p>
@@ -9887,12 +10004,97 @@
           </a:graphicData>
         </a:graphic>
       </p:graphicFrame>
+      <p:sp>
+        <p:nvSpPr>
+          <p:cNvPr id="11" name="Rectangle 10">
+            <a:extLst>
+              <a:ext uri="{FF2B5EF4-FFF2-40B4-BE49-F238E27FC236}">
+                <a16:creationId xmlns:a16="http://schemas.microsoft.com/office/drawing/2014/main" id="{092ACBBF-09A5-411B-9502-9A3DE3D67A5A}"/>
+              </a:ext>
+            </a:extLst>
+          </p:cNvPr>
+          <p:cNvSpPr/>
+          <p:nvPr/>
+        </p:nvSpPr>
+        <p:spPr>
+          <a:xfrm>
+            <a:off x="9947056" y="5738263"/>
+            <a:ext cx="616449" cy="268346"/>
+          </a:xfrm>
+          <a:prstGeom prst="rect">
+            <a:avLst/>
+          </a:prstGeom>
+          <a:noFill/>
+          <a:ln w="19050">
+            <a:solidFill>
+              <a:srgbClr val="FF0000"/>
+            </a:solidFill>
+          </a:ln>
+        </p:spPr>
+        <p:style>
+          <a:lnRef idx="2">
+            <a:schemeClr val="accent1">
+              <a:shade val="50000"/>
+            </a:schemeClr>
+          </a:lnRef>
+          <a:fillRef idx="1">
+            <a:schemeClr val="accent1"/>
+          </a:fillRef>
+          <a:effectRef idx="0">
+            <a:schemeClr val="accent1"/>
+          </a:effectRef>
+          <a:fontRef idx="minor">
+            <a:schemeClr val="lt1"/>
+          </a:fontRef>
+        </p:style>
+        <p:txBody>
+          <a:bodyPr rtlCol="0" anchor="ctr"/>
+          <a:lstStyle/>
+          <a:p>
+            <a:pPr algn="ctr"/>
+            <a:endParaRPr lang="en-US"/>
+          </a:p>
+        </p:txBody>
+      </p:sp>
+    </p:spTree>
+    <p:extLst>
+      <p:ext uri="{BB962C8B-B14F-4D97-AF65-F5344CB8AC3E}">
+        <p14:creationId xmlns:p14="http://schemas.microsoft.com/office/powerpoint/2010/main" val="3406970536"/>
+      </p:ext>
+    </p:extLst>
+  </p:cSld>
+  <p:clrMapOvr>
+    <a:masterClrMapping/>
+  </p:clrMapOvr>
+  <p:transition>
+    <p:fade/>
+  </p:transition>
+</p:sld>
+</file>
+
+<file path=ppt/slides/slide5.xml><?xml version="1.0" encoding="utf-8"?>
+<p:sld xmlns:a="http://schemas.openxmlformats.org/drawingml/2006/main" xmlns:r="http://schemas.openxmlformats.org/officeDocument/2006/relationships" xmlns:p="http://schemas.openxmlformats.org/presentationml/2006/main">
+  <p:cSld>
+    <p:spTree>
+      <p:nvGrpSpPr>
+        <p:cNvPr id="1" name=""/>
+        <p:cNvGrpSpPr/>
+        <p:nvPr/>
+      </p:nvGrpSpPr>
+      <p:grpSpPr>
+        <a:xfrm>
+          <a:off x="0" y="0"/>
+          <a:ext cx="0" cy="0"/>
+          <a:chOff x="0" y="0"/>
+          <a:chExt cx="0" cy="0"/>
+        </a:xfrm>
+      </p:grpSpPr>
       <p:graphicFrame>
         <p:nvGraphicFramePr>
-          <p:cNvPr id="16" name="Content Placeholder 6">
+          <p:cNvPr id="23" name="Content Placeholder 6">
             <a:extLst>
               <a:ext uri="{FF2B5EF4-FFF2-40B4-BE49-F238E27FC236}">
-                <a16:creationId xmlns:a16="http://schemas.microsoft.com/office/drawing/2014/main" id="{ADF8C580-4C64-4368-8BC5-730DF942216C}"/>
+                <a16:creationId xmlns:a16="http://schemas.microsoft.com/office/drawing/2014/main" id="{45B08506-A9EB-4714-9E37-BAAB634CFBF1}"/>
               </a:ext>
             </a:extLst>
           </p:cNvPr>
@@ -9902,14 +10104,14 @@
           <p:nvPr>
             <p:extLst>
               <p:ext uri="{D42A27DB-BD31-4B8C-83A1-F6EECF244321}">
-                <p14:modId xmlns:p14="http://schemas.microsoft.com/office/powerpoint/2010/main" val="3299864861"/>
+                <p14:modId xmlns:p14="http://schemas.microsoft.com/office/powerpoint/2010/main" val="1713521707"/>
               </p:ext>
             </p:extLst>
           </p:nvPr>
         </p:nvGraphicFramePr>
         <p:xfrm>
-          <a:off x="6391050" y="1399942"/>
-          <a:ext cx="5057902" cy="5348329"/>
+          <a:off x="6620541" y="1438919"/>
+          <a:ext cx="5304269" cy="5226698"/>
         </p:xfrm>
         <a:graphic>
           <a:graphicData uri="http://schemas.openxmlformats.org/drawingml/2006/table">
@@ -9918,7 +10120,7 @@
                 <a:tableStyleId>{5C22544A-7EE6-4342-B048-85BDC9FD1C3A}</a:tableStyleId>
               </a:tblPr>
               <a:tblGrid>
-                <a:gridCol w="5057902">
+                <a:gridCol w="5304269">
                   <a:extLst>
                     <a:ext uri="{9D8B030D-6E8A-4147-A177-3AD203B41FA5}">
                       <a16:colId xmlns:a16="http://schemas.microsoft.com/office/drawing/2014/main" val="20000"/>
@@ -9926,7 +10128,7 @@
                   </a:extLst>
                 </a:gridCol>
               </a:tblGrid>
-              <a:tr h="5348329">
+              <a:tr h="5226698">
                 <a:tc>
                   <a:txBody>
                     <a:bodyPr/>
@@ -9964,112 +10166,169 @@
                           <a:ea typeface="+mn-ea"/>
                           <a:cs typeface="Calibri Light" panose="020F0302020204030204" pitchFamily="34" charset="0"/>
                         </a:rPr>
-                        <a:t>Key Findings</a:t>
+                        <a:t>Negative Reviews: </a:t>
                       </a:r>
+                      <a:endParaRPr kumimoji="1" lang="en-US" altLang="ja-JP" sz="1400" b="0" dirty="0">
+                        <a:solidFill>
+                          <a:prstClr val="black"/>
+                        </a:solidFill>
+                        <a:latin typeface="+mn-lt"/>
+                      </a:endParaRPr>
                     </a:p>
                     <a:p>
-                      <a:pPr marL="171450" indent="-171450">
+                      <a:pPr marL="0" indent="0">
                         <a:buFont typeface="Arial" panose="020B0604020202020204" pitchFamily="34" charset="0"/>
-                        <a:buChar char="•"/>
+                        <a:buNone/>
                         <a:defRPr/>
                       </a:pPr>
-                      <a:r>
-                        <a:rPr kumimoji="1" lang="en-US" altLang="ja-JP" sz="1400" b="0" dirty="0">
-                          <a:solidFill>
-                            <a:prstClr val="black"/>
-                          </a:solidFill>
-                          <a:latin typeface="+mn-lt"/>
-                        </a:rPr>
-                        <a:t>Positive Reviews: </a:t>
-                      </a:r>
+                      <a:endParaRPr kumimoji="1" lang="en-US" altLang="ja-JP" sz="1400" b="0" dirty="0">
+                        <a:solidFill>
+                          <a:prstClr val="black"/>
+                        </a:solidFill>
+                        <a:latin typeface="+mn-lt"/>
+                      </a:endParaRPr>
                     </a:p>
                     <a:p>
-                      <a:pPr marL="628650" lvl="1" indent="-171450">
+                      <a:pPr marL="0" indent="0">
                         <a:buFont typeface="Arial" panose="020B0604020202020204" pitchFamily="34" charset="0"/>
-                        <a:buChar char="•"/>
+                        <a:buNone/>
                         <a:defRPr/>
                       </a:pPr>
-                      <a:r>
-                        <a:rPr kumimoji="1" lang="en-US" altLang="ja-JP" sz="1400" b="0" dirty="0">
-                          <a:solidFill>
-                            <a:prstClr val="black"/>
-                          </a:solidFill>
-                          <a:latin typeface="+mn-lt"/>
-                        </a:rPr>
-                        <a:t> The</a:t>
-                      </a:r>
-                      <a:r>
-                        <a:rPr kumimoji="1" lang="ja-JP" altLang="en-US" sz="1400" b="0" dirty="0">
-                          <a:solidFill>
-                            <a:prstClr val="black"/>
-                          </a:solidFill>
-                          <a:latin typeface="+mn-lt"/>
-                        </a:rPr>
-                        <a:t> </a:t>
-                      </a:r>
-                      <a:r>
-                        <a:rPr kumimoji="1" lang="en-US" altLang="ja-JP" sz="1400" b="0" dirty="0">
-                          <a:solidFill>
-                            <a:prstClr val="black"/>
-                          </a:solidFill>
-                          <a:latin typeface="+mn-lt"/>
-                        </a:rPr>
-                        <a:t>app</a:t>
-                      </a:r>
-                      <a:r>
-                        <a:rPr kumimoji="1" lang="ja-JP" altLang="en-US" sz="1400" b="0" dirty="0">
-                          <a:solidFill>
-                            <a:prstClr val="black"/>
-                          </a:solidFill>
-                          <a:latin typeface="+mn-lt"/>
-                        </a:rPr>
-                        <a:t> </a:t>
-                      </a:r>
-                      <a:r>
-                        <a:rPr kumimoji="1" lang="en-US" altLang="ja-JP" sz="1400" b="0" dirty="0">
-                          <a:solidFill>
-                            <a:prstClr val="black"/>
-                          </a:solidFill>
-                          <a:latin typeface="+mn-lt"/>
-                        </a:rPr>
-                        <a:t>overall,</a:t>
-                      </a:r>
-                      <a:r>
-                        <a:rPr kumimoji="1" lang="ja-JP" altLang="en-US" sz="1400" b="0" dirty="0">
-                          <a:solidFill>
-                            <a:prstClr val="black"/>
-                          </a:solidFill>
-                          <a:latin typeface="+mn-lt"/>
-                        </a:rPr>
-                        <a:t> </a:t>
-                      </a:r>
-                      <a:r>
-                        <a:rPr kumimoji="1" lang="en-US" altLang="ja-JP" sz="1400" b="0" dirty="0">
-                          <a:solidFill>
-                            <a:prstClr val="black"/>
-                          </a:solidFill>
-                          <a:latin typeface="+mn-lt"/>
-                        </a:rPr>
-                        <a:t>vast song</a:t>
-                      </a:r>
-                      <a:r>
-                        <a:rPr kumimoji="1" lang="ja-JP" altLang="en-US" sz="1400" b="0" dirty="0">
-                          <a:solidFill>
-                            <a:prstClr val="black"/>
-                          </a:solidFill>
-                          <a:latin typeface="+mn-lt"/>
-                        </a:rPr>
-                        <a:t> </a:t>
-                      </a:r>
-                      <a:r>
-                        <a:rPr kumimoji="1" lang="en-US" altLang="ja-JP" sz="1400" b="0" dirty="0">
-                          <a:solidFill>
-                            <a:prstClr val="black"/>
-                          </a:solidFill>
-                          <a:latin typeface="+mn-lt"/>
-                        </a:rPr>
-                        <a:t>selections, Spotify Premium, and podcast</a:t>
-                      </a:r>
+                      <a:endParaRPr kumimoji="1" lang="en-US" altLang="ja-JP" sz="1400" b="0" dirty="0">
+                        <a:solidFill>
+                          <a:prstClr val="black"/>
+                        </a:solidFill>
+                        <a:latin typeface="+mn-lt"/>
+                      </a:endParaRPr>
+                    </a:p>
+                    <a:p>
+                      <a:pPr marL="0" indent="0">
+                        <a:buFont typeface="Arial" panose="020B0604020202020204" pitchFamily="34" charset="0"/>
+                        <a:buNone/>
+                        <a:defRPr/>
+                      </a:pPr>
+                      <a:endParaRPr kumimoji="1" lang="en-US" altLang="ja-JP" sz="1400" b="0" dirty="0">
+                        <a:solidFill>
+                          <a:prstClr val="black"/>
+                        </a:solidFill>
+                        <a:latin typeface="+mn-lt"/>
+                      </a:endParaRPr>
+                    </a:p>
+                    <a:p>
+                      <a:pPr marL="0" indent="0">
+                        <a:buFont typeface="Arial" panose="020B0604020202020204" pitchFamily="34" charset="0"/>
+                        <a:buNone/>
+                        <a:defRPr/>
+                      </a:pPr>
+                      <a:endParaRPr kumimoji="1" lang="en-US" altLang="ja-JP" sz="1400" b="0" dirty="0">
+                        <a:solidFill>
+                          <a:prstClr val="black"/>
+                        </a:solidFill>
+                        <a:latin typeface="+mn-lt"/>
+                      </a:endParaRPr>
+                    </a:p>
+                    <a:p>
+                      <a:pPr marL="0" indent="0">
+                        <a:buFont typeface="Arial" panose="020B0604020202020204" pitchFamily="34" charset="0"/>
+                        <a:buNone/>
+                        <a:defRPr/>
+                      </a:pPr>
+                      <a:endParaRPr kumimoji="1" lang="en-US" altLang="ja-JP" sz="1400" b="0" dirty="0">
+                        <a:solidFill>
+                          <a:prstClr val="black"/>
+                        </a:solidFill>
+                        <a:latin typeface="+mn-lt"/>
+                      </a:endParaRPr>
+                    </a:p>
+                    <a:p>
+                      <a:pPr marL="457200" lvl="1" indent="0">
+                        <a:buFont typeface="Arial" panose="020B0604020202020204" pitchFamily="34" charset="0"/>
+                        <a:buNone/>
+                        <a:defRPr/>
+                      </a:pPr>
+                      <a:endParaRPr kumimoji="1" lang="en-US" altLang="ja-JP" sz="1400" b="0" dirty="0">
+                        <a:solidFill>
+                          <a:prstClr val="black"/>
+                        </a:solidFill>
+                        <a:latin typeface="+mn-lt"/>
+                      </a:endParaRPr>
+                    </a:p>
+                    <a:p>
+                      <a:pPr marL="457200" lvl="1" indent="0">
+                        <a:buFont typeface="Arial" panose="020B0604020202020204" pitchFamily="34" charset="0"/>
+                        <a:buNone/>
+                        <a:defRPr/>
+                      </a:pPr>
+                      <a:endParaRPr kumimoji="1" lang="en-US" altLang="ja-JP" sz="1400" b="0" dirty="0">
+                        <a:solidFill>
+                          <a:prstClr val="black"/>
+                        </a:solidFill>
+                        <a:latin typeface="+mn-lt"/>
+                      </a:endParaRPr>
+                    </a:p>
+                    <a:p>
+                      <a:pPr marL="457200" lvl="1" indent="0">
+                        <a:buFont typeface="Arial" panose="020B0604020202020204" pitchFamily="34" charset="0"/>
+                        <a:buNone/>
+                        <a:defRPr/>
+                      </a:pPr>
+                      <a:endParaRPr kumimoji="1" lang="en-US" altLang="ja-JP" sz="1400" b="0" dirty="0">
+                        <a:solidFill>
+                          <a:prstClr val="black"/>
+                        </a:solidFill>
+                        <a:latin typeface="+mn-lt"/>
+                      </a:endParaRPr>
+                    </a:p>
+                    <a:p>
+                      <a:pPr marL="457200" lvl="1" indent="0">
+                        <a:buFont typeface="Arial" panose="020B0604020202020204" pitchFamily="34" charset="0"/>
+                        <a:buNone/>
+                        <a:defRPr/>
+                      </a:pPr>
+                      <a:endParaRPr kumimoji="1" lang="en-US" altLang="ja-JP" sz="1400" b="0" dirty="0">
+                        <a:solidFill>
+                          <a:prstClr val="black"/>
+                        </a:solidFill>
+                      </a:endParaRPr>
+                    </a:p>
+                    <a:p>
+                      <a:pPr marL="457200" lvl="1" indent="0">
+                        <a:buFont typeface="Arial" panose="020B0604020202020204" pitchFamily="34" charset="0"/>
+                        <a:buNone/>
+                        <a:defRPr/>
+                      </a:pPr>
+                      <a:endParaRPr kumimoji="1" lang="en-US" altLang="ja-JP" sz="1400" b="0" dirty="0">
+                        <a:solidFill>
+                          <a:prstClr val="black"/>
+                        </a:solidFill>
+                        <a:latin typeface="+mn-lt"/>
+                      </a:endParaRPr>
+                    </a:p>
+                    <a:p>
+                      <a:pPr marL="457200" lvl="1" indent="0">
+                        <a:buFont typeface="Arial" panose="020B0604020202020204" pitchFamily="34" charset="0"/>
+                        <a:buNone/>
+                        <a:defRPr/>
+                      </a:pPr>
+                      <a:endParaRPr kumimoji="1" lang="en-US" altLang="ja-JP" sz="1400" b="0" dirty="0">
+                        <a:solidFill>
+                          <a:prstClr val="black"/>
+                        </a:solidFill>
+                        <a:latin typeface="+mn-lt"/>
+                      </a:endParaRPr>
+                    </a:p>
+                    <a:p>
+                      <a:pPr marL="457200" lvl="1" indent="0">
+                        <a:buFont typeface="Arial" panose="020B0604020202020204" pitchFamily="34" charset="0"/>
+                        <a:buNone/>
+                        <a:defRPr/>
+                      </a:pPr>
+                      <a:endParaRPr kumimoji="1" lang="en-US" altLang="ja-JP" sz="1400" b="0" dirty="0">
+                        <a:solidFill>
+                          <a:prstClr val="black"/>
+                        </a:solidFill>
+                        <a:latin typeface="+mn-lt"/>
+                      </a:endParaRPr>
                     </a:p>
                     <a:p>
                       <a:pPr marL="457200" lvl="1" indent="0">
@@ -10168,6 +10427,143 @@
                         <a:buNone/>
                         <a:defRPr/>
                       </a:pPr>
+                      <a:r>
+                        <a:rPr kumimoji="1" lang="en-US" altLang="ja-JP" sz="1400" b="0" dirty="0">
+                          <a:solidFill>
+                            <a:prstClr val="black"/>
+                          </a:solidFill>
+                        </a:rPr>
+                        <a:t>Paying for Spotify Premium, ads, not being able to skip songs, song suggestions, and new updates</a:t>
+                      </a:r>
+                    </a:p>
+                  </a:txBody>
+                  <a:tcPr marL="91510" marR="91510" marT="137160">
+                    <a:lnL w="12700" cmpd="sng">
+                      <a:noFill/>
+                    </a:lnL>
+                    <a:lnR w="12700" cmpd="sng">
+                      <a:noFill/>
+                    </a:lnR>
+                    <a:lnT w="12700" cap="flat" cmpd="sng" algn="ctr">
+                      <a:solidFill>
+                        <a:srgbClr val="1ED760"/>
+                      </a:solidFill>
+                      <a:prstDash val="solid"/>
+                      <a:round/>
+                      <a:headEnd type="none" w="med" len="med"/>
+                      <a:tailEnd type="none" w="med" len="med"/>
+                    </a:lnT>
+                    <a:lnB w="9525" cap="flat" cmpd="sng" algn="ctr">
+                      <a:noFill/>
+                      <a:prstDash val="solid"/>
+                      <a:round/>
+                      <a:headEnd type="none" w="med" len="med"/>
+                      <a:tailEnd type="none" w="med" len="med"/>
+                    </a:lnB>
+                    <a:lnTlToBr w="12700" cmpd="sng">
+                      <a:noFill/>
+                      <a:prstDash val="solid"/>
+                    </a:lnTlToBr>
+                    <a:lnBlToTr w="12700" cmpd="sng">
+                      <a:noFill/>
+                      <a:prstDash val="solid"/>
+                    </a:lnBlToTr>
+                    <a:solidFill>
+                      <a:schemeClr val="bg1">
+                        <a:lumMod val="95000"/>
+                      </a:schemeClr>
+                    </a:solidFill>
+                  </a:tcPr>
+                </a:tc>
+                <a:extLst>
+                  <a:ext uri="{0D108BD9-81ED-4DB2-BD59-A6C34878D82A}">
+                    <a16:rowId xmlns:a16="http://schemas.microsoft.com/office/drawing/2014/main" val="10000"/>
+                  </a:ext>
+                </a:extLst>
+              </a:tr>
+            </a:tbl>
+          </a:graphicData>
+        </a:graphic>
+      </p:graphicFrame>
+      <p:graphicFrame>
+        <p:nvGraphicFramePr>
+          <p:cNvPr id="22" name="Content Placeholder 6">
+            <a:extLst>
+              <a:ext uri="{FF2B5EF4-FFF2-40B4-BE49-F238E27FC236}">
+                <a16:creationId xmlns:a16="http://schemas.microsoft.com/office/drawing/2014/main" id="{243E3632-3F81-4CEE-A4C3-837FD86161A4}"/>
+              </a:ext>
+            </a:extLst>
+          </p:cNvPr>
+          <p:cNvGraphicFramePr>
+            <a:graphicFrameLocks/>
+          </p:cNvGraphicFramePr>
+          <p:nvPr>
+            <p:extLst>
+              <p:ext uri="{D42A27DB-BD31-4B8C-83A1-F6EECF244321}">
+                <p14:modId xmlns:p14="http://schemas.microsoft.com/office/powerpoint/2010/main" val="3812150725"/>
+              </p:ext>
+            </p:extLst>
+          </p:nvPr>
+        </p:nvGraphicFramePr>
+        <p:xfrm>
+          <a:off x="267190" y="1514344"/>
+          <a:ext cx="5304270" cy="5226698"/>
+        </p:xfrm>
+        <a:graphic>
+          <a:graphicData uri="http://schemas.openxmlformats.org/drawingml/2006/table">
+            <a:tbl>
+              <a:tblPr firstRow="1" bandRow="1">
+                <a:tableStyleId>{5C22544A-7EE6-4342-B048-85BDC9FD1C3A}</a:tableStyleId>
+              </a:tblPr>
+              <a:tblGrid>
+                <a:gridCol w="5304270">
+                  <a:extLst>
+                    <a:ext uri="{9D8B030D-6E8A-4147-A177-3AD203B41FA5}">
+                      <a16:colId xmlns:a16="http://schemas.microsoft.com/office/drawing/2014/main" val="20000"/>
+                    </a:ext>
+                  </a:extLst>
+                </a:gridCol>
+              </a:tblGrid>
+              <a:tr h="5226698">
+                <a:tc>
+                  <a:txBody>
+                    <a:bodyPr/>
+                    <a:lstStyle/>
+                    <a:p>
+                      <a:pPr marL="0" marR="0" lvl="0" indent="0" algn="l" defTabSz="914400" rtl="0" eaLnBrk="1" fontAlgn="auto" latinLnBrk="0" hangingPunct="1">
+                        <a:lnSpc>
+                          <a:spcPct val="100000"/>
+                        </a:lnSpc>
+                        <a:spcBef>
+                          <a:spcPts val="0"/>
+                        </a:spcBef>
+                        <a:spcAft>
+                          <a:spcPts val="1000"/>
+                        </a:spcAft>
+                        <a:buClrTx/>
+                        <a:buSzPct val="100000"/>
+                        <a:buFont typeface="Arial" panose="020B0604020202020204" pitchFamily="34" charset="0"/>
+                        <a:buNone/>
+                        <a:tabLst/>
+                        <a:defRPr/>
+                      </a:pPr>
+                      <a:r>
+                        <a:rPr kumimoji="0" lang="en-GB" sz="1600" b="1" i="0" u="none" strike="noStrike" kern="1200" cap="none" spc="0" normalizeH="0" baseline="0" noProof="0" dirty="0">
+                          <a:ln>
+                            <a:noFill/>
+                          </a:ln>
+                          <a:solidFill>
+                            <a:srgbClr val="1ED760"/>
+                          </a:solidFill>
+                          <a:effectLst/>
+                          <a:uLnTx/>
+                          <a:uFillTx/>
+                          <a:latin typeface="+mj-lt"/>
+                          <a:ea typeface="+mn-ea"/>
+                          <a:cs typeface="Calibri Light" panose="020F0302020204030204" pitchFamily="34" charset="0"/>
+                        </a:rPr>
+                        <a:t>Positive Reviews: </a:t>
+                      </a:r>
                       <a:endParaRPr kumimoji="1" lang="en-US" altLang="ja-JP" sz="1400" b="0" dirty="0">
                         <a:solidFill>
                           <a:prstClr val="black"/>
@@ -10176,54 +10572,69 @@
                       </a:endParaRPr>
                     </a:p>
                     <a:p>
-                      <a:pPr marL="171450" marR="0" lvl="0" indent="-171450" algn="l" defTabSz="914400" rtl="0" eaLnBrk="1" fontAlgn="auto" latinLnBrk="0" hangingPunct="1">
-                        <a:lnSpc>
-                          <a:spcPct val="100000"/>
-                        </a:lnSpc>
-                        <a:spcBef>
-                          <a:spcPts val="0"/>
-                        </a:spcBef>
-                        <a:spcAft>
-                          <a:spcPts val="0"/>
-                        </a:spcAft>
-                        <a:buClrTx/>
-                        <a:buSzTx/>
+                      <a:pPr marL="0" indent="0">
                         <a:buFont typeface="Arial" panose="020B0604020202020204" pitchFamily="34" charset="0"/>
-                        <a:buChar char="•"/>
-                        <a:tabLst/>
+                        <a:buNone/>
                         <a:defRPr/>
                       </a:pPr>
-                      <a:r>
-                        <a:rPr kumimoji="1" lang="en-US" altLang="ja-JP" sz="1400" b="0" i="0" u="none" strike="noStrike" kern="1200" cap="none" spc="0" normalizeH="0" baseline="0" noProof="0" dirty="0">
-                          <a:ln>
-                            <a:noFill/>
-                          </a:ln>
-                          <a:solidFill>
-                            <a:prstClr val="black"/>
-                          </a:solidFill>
-                          <a:effectLst/>
-                          <a:uLnTx/>
-                          <a:uFillTx/>
-                          <a:ea typeface="+mn-ea"/>
-                          <a:cs typeface="+mn-cs"/>
-                        </a:rPr>
-                        <a:t>Negative Reviews: </a:t>
-                      </a:r>
+                      <a:endParaRPr kumimoji="1" lang="en-US" altLang="ja-JP" sz="1400" b="0" dirty="0">
+                        <a:solidFill>
+                          <a:prstClr val="black"/>
+                        </a:solidFill>
+                        <a:latin typeface="+mn-lt"/>
+                      </a:endParaRPr>
                     </a:p>
                     <a:p>
-                      <a:pPr marL="628650" lvl="1" indent="-171450">
+                      <a:pPr marL="0" indent="0">
                         <a:buFont typeface="Arial" panose="020B0604020202020204" pitchFamily="34" charset="0"/>
-                        <a:buChar char="•"/>
+                        <a:buNone/>
                         <a:defRPr/>
                       </a:pPr>
-                      <a:r>
-                        <a:rPr kumimoji="1" lang="en-US" altLang="ja-JP" sz="1400" b="0" dirty="0">
-                          <a:solidFill>
-                            <a:prstClr val="black"/>
-                          </a:solidFill>
-                        </a:rPr>
-                        <a:t>Paying for Spotify Premium, ads, not being able to skip songs, song suggestions, and new updates</a:t>
-                      </a:r>
+                      <a:endParaRPr kumimoji="1" lang="en-US" altLang="ja-JP" sz="1400" b="0" dirty="0">
+                        <a:solidFill>
+                          <a:prstClr val="black"/>
+                        </a:solidFill>
+                        <a:latin typeface="+mn-lt"/>
+                      </a:endParaRPr>
+                    </a:p>
+                    <a:p>
+                      <a:pPr marL="0" indent="0">
+                        <a:buFont typeface="Arial" panose="020B0604020202020204" pitchFamily="34" charset="0"/>
+                        <a:buNone/>
+                        <a:defRPr/>
+                      </a:pPr>
+                      <a:endParaRPr kumimoji="1" lang="en-US" altLang="ja-JP" sz="1400" b="0" dirty="0">
+                        <a:solidFill>
+                          <a:prstClr val="black"/>
+                        </a:solidFill>
+                        <a:latin typeface="+mn-lt"/>
+                      </a:endParaRPr>
+                    </a:p>
+                    <a:p>
+                      <a:pPr marL="0" indent="0">
+                        <a:buFont typeface="Arial" panose="020B0604020202020204" pitchFamily="34" charset="0"/>
+                        <a:buNone/>
+                        <a:defRPr/>
+                      </a:pPr>
+                      <a:endParaRPr kumimoji="1" lang="en-US" altLang="ja-JP" sz="1400" b="0" dirty="0">
+                        <a:solidFill>
+                          <a:prstClr val="black"/>
+                        </a:solidFill>
+                        <a:latin typeface="+mn-lt"/>
+                      </a:endParaRPr>
+                    </a:p>
+                    <a:p>
+                      <a:pPr marL="0" indent="0">
+                        <a:buFont typeface="Arial" panose="020B0604020202020204" pitchFamily="34" charset="0"/>
+                        <a:buNone/>
+                        <a:defRPr/>
+                      </a:pPr>
+                      <a:endParaRPr kumimoji="1" lang="en-US" altLang="ja-JP" sz="1400" b="0" dirty="0">
+                        <a:solidFill>
+                          <a:prstClr val="black"/>
+                        </a:solidFill>
+                        <a:latin typeface="+mn-lt"/>
+                      </a:endParaRPr>
                     </a:p>
                     <a:p>
                       <a:pPr marL="457200" lvl="1" indent="0">
@@ -10235,6 +10646,33 @@
                         <a:solidFill>
                           <a:prstClr val="black"/>
                         </a:solidFill>
+                        <a:latin typeface="+mn-lt"/>
+                      </a:endParaRPr>
+                    </a:p>
+                    <a:p>
+                      <a:pPr marL="457200" lvl="1" indent="0">
+                        <a:buFont typeface="Arial" panose="020B0604020202020204" pitchFamily="34" charset="0"/>
+                        <a:buNone/>
+                        <a:defRPr/>
+                      </a:pPr>
+                      <a:endParaRPr kumimoji="1" lang="en-US" altLang="ja-JP" sz="1400" b="0" dirty="0">
+                        <a:solidFill>
+                          <a:prstClr val="black"/>
+                        </a:solidFill>
+                        <a:latin typeface="+mn-lt"/>
+                      </a:endParaRPr>
+                    </a:p>
+                    <a:p>
+                      <a:pPr marL="457200" lvl="1" indent="0">
+                        <a:buFont typeface="Arial" panose="020B0604020202020204" pitchFamily="34" charset="0"/>
+                        <a:buNone/>
+                        <a:defRPr/>
+                      </a:pPr>
+                      <a:endParaRPr kumimoji="1" lang="en-US" altLang="ja-JP" sz="1400" b="0" dirty="0">
+                        <a:solidFill>
+                          <a:prstClr val="black"/>
+                        </a:solidFill>
+                        <a:latin typeface="+mn-lt"/>
                       </a:endParaRPr>
                     </a:p>
                     <a:p>
@@ -10259,6 +10697,7 @@
                         <a:solidFill>
                           <a:prstClr val="black"/>
                         </a:solidFill>
+                        <a:latin typeface="+mn-lt"/>
                       </a:endParaRPr>
                     </a:p>
                     <a:p>
@@ -10271,6 +10710,7 @@
                         <a:solidFill>
                           <a:prstClr val="black"/>
                         </a:solidFill>
+                        <a:latin typeface="+mn-lt"/>
                       </a:endParaRPr>
                     </a:p>
                     <a:p>
@@ -10283,6 +10723,7 @@
                         <a:solidFill>
                           <a:prstClr val="black"/>
                         </a:solidFill>
+                        <a:latin typeface="+mn-lt"/>
                       </a:endParaRPr>
                     </a:p>
                     <a:p>
@@ -10295,39 +10736,178 @@
                         <a:solidFill>
                           <a:prstClr val="black"/>
                         </a:solidFill>
+                        <a:latin typeface="+mn-lt"/>
                       </a:endParaRPr>
                     </a:p>
                     <a:p>
-                      <a:pPr marL="0" marR="0" lvl="0" indent="0" algn="l" defTabSz="914400" rtl="0" eaLnBrk="1" fontAlgn="auto" latinLnBrk="0" hangingPunct="1">
-                        <a:lnSpc>
-                          <a:spcPct val="100000"/>
-                        </a:lnSpc>
-                        <a:spcBef>
-                          <a:spcPts val="0"/>
-                        </a:spcBef>
-                        <a:spcAft>
-                          <a:spcPts val="1000"/>
-                        </a:spcAft>
-                        <a:buClrTx/>
-                        <a:buSzPct val="100000"/>
+                      <a:pPr marL="457200" lvl="1" indent="0">
                         <a:buFont typeface="Arial" panose="020B0604020202020204" pitchFamily="34" charset="0"/>
                         <a:buNone/>
-                        <a:tabLst/>
                         <a:defRPr/>
                       </a:pPr>
-                      <a:endParaRPr kumimoji="0" lang="en-US" sz="1600" b="1" i="0" u="none" strike="noStrike" kern="1200" cap="none" spc="0" normalizeH="0" baseline="0" noProof="0" dirty="0">
-                        <a:ln>
-                          <a:noFill/>
-                        </a:ln>
+                      <a:endParaRPr kumimoji="1" lang="en-US" altLang="ja-JP" sz="1400" b="0" dirty="0">
                         <a:solidFill>
-                          <a:srgbClr val="86BC25"/>
+                          <a:prstClr val="black"/>
                         </a:solidFill>
-                        <a:effectLst/>
-                        <a:uLnTx/>
-                        <a:uFillTx/>
-                        <a:latin typeface="+mj-lt"/>
-                        <a:ea typeface="+mn-ea"/>
-                        <a:cs typeface="Calibri Light" panose="020F0302020204030204" pitchFamily="34" charset="0"/>
+                        <a:latin typeface="+mn-lt"/>
+                      </a:endParaRPr>
+                    </a:p>
+                    <a:p>
+                      <a:pPr marL="457200" lvl="1" indent="0">
+                        <a:buFont typeface="Arial" panose="020B0604020202020204" pitchFamily="34" charset="0"/>
+                        <a:buNone/>
+                        <a:defRPr/>
+                      </a:pPr>
+                      <a:endParaRPr kumimoji="1" lang="en-US" altLang="ja-JP" sz="1400" b="0" dirty="0">
+                        <a:solidFill>
+                          <a:prstClr val="black"/>
+                        </a:solidFill>
+                        <a:latin typeface="+mn-lt"/>
+                      </a:endParaRPr>
+                    </a:p>
+                    <a:p>
+                      <a:pPr marL="457200" lvl="1" indent="0">
+                        <a:buFont typeface="Arial" panose="020B0604020202020204" pitchFamily="34" charset="0"/>
+                        <a:buNone/>
+                        <a:defRPr/>
+                      </a:pPr>
+                      <a:endParaRPr kumimoji="1" lang="en-US" altLang="ja-JP" sz="1400" b="0" dirty="0">
+                        <a:solidFill>
+                          <a:prstClr val="black"/>
+                        </a:solidFill>
+                        <a:latin typeface="+mn-lt"/>
+                      </a:endParaRPr>
+                    </a:p>
+                    <a:p>
+                      <a:pPr marL="457200" lvl="1" indent="0">
+                        <a:buFont typeface="Arial" panose="020B0604020202020204" pitchFamily="34" charset="0"/>
+                        <a:buNone/>
+                        <a:defRPr/>
+                      </a:pPr>
+                      <a:endParaRPr kumimoji="1" lang="en-US" altLang="ja-JP" sz="1400" b="0" dirty="0">
+                        <a:solidFill>
+                          <a:prstClr val="black"/>
+                        </a:solidFill>
+                        <a:latin typeface="+mn-lt"/>
+                      </a:endParaRPr>
+                    </a:p>
+                    <a:p>
+                      <a:pPr marL="457200" lvl="1" indent="0">
+                        <a:buFont typeface="Arial" panose="020B0604020202020204" pitchFamily="34" charset="0"/>
+                        <a:buNone/>
+                        <a:defRPr/>
+                      </a:pPr>
+                      <a:endParaRPr kumimoji="1" lang="en-US" altLang="ja-JP" sz="1400" b="0" dirty="0">
+                        <a:solidFill>
+                          <a:prstClr val="black"/>
+                        </a:solidFill>
+                        <a:latin typeface="+mn-lt"/>
+                      </a:endParaRPr>
+                    </a:p>
+                    <a:p>
+                      <a:pPr marL="457200" lvl="1" indent="0">
+                        <a:buFont typeface="Arial" panose="020B0604020202020204" pitchFamily="34" charset="0"/>
+                        <a:buNone/>
+                        <a:defRPr/>
+                      </a:pPr>
+                      <a:endParaRPr kumimoji="1" lang="en-US" altLang="ja-JP" sz="1400" b="0" dirty="0">
+                        <a:solidFill>
+                          <a:prstClr val="black"/>
+                        </a:solidFill>
+                        <a:latin typeface="+mn-lt"/>
+                      </a:endParaRPr>
+                    </a:p>
+                    <a:p>
+                      <a:pPr marL="0" lvl="0" indent="0">
+                        <a:buFont typeface="Arial" panose="020B0604020202020204" pitchFamily="34" charset="0"/>
+                        <a:buNone/>
+                        <a:defRPr/>
+                      </a:pPr>
+                      <a:r>
+                        <a:rPr kumimoji="1" lang="en-US" altLang="ja-JP" sz="1400" b="0" dirty="0">
+                          <a:solidFill>
+                            <a:prstClr val="black"/>
+                          </a:solidFill>
+                          <a:latin typeface="+mn-lt"/>
+                        </a:rPr>
+                        <a:t>The</a:t>
+                      </a:r>
+                      <a:r>
+                        <a:rPr kumimoji="1" lang="ja-JP" altLang="en-US" sz="1400" b="0" dirty="0">
+                          <a:solidFill>
+                            <a:prstClr val="black"/>
+                          </a:solidFill>
+                          <a:latin typeface="+mn-lt"/>
+                        </a:rPr>
+                        <a:t> </a:t>
+                      </a:r>
+                      <a:r>
+                        <a:rPr kumimoji="1" lang="en-US" altLang="ja-JP" sz="1400" b="0" dirty="0">
+                          <a:solidFill>
+                            <a:prstClr val="black"/>
+                          </a:solidFill>
+                          <a:latin typeface="+mn-lt"/>
+                        </a:rPr>
+                        <a:t>app</a:t>
+                      </a:r>
+                      <a:r>
+                        <a:rPr kumimoji="1" lang="ja-JP" altLang="en-US" sz="1400" b="0" dirty="0">
+                          <a:solidFill>
+                            <a:prstClr val="black"/>
+                          </a:solidFill>
+                          <a:latin typeface="+mn-lt"/>
+                        </a:rPr>
+                        <a:t> </a:t>
+                      </a:r>
+                      <a:r>
+                        <a:rPr kumimoji="1" lang="en-US" altLang="ja-JP" sz="1400" b="0" dirty="0">
+                          <a:solidFill>
+                            <a:prstClr val="black"/>
+                          </a:solidFill>
+                          <a:latin typeface="+mn-lt"/>
+                        </a:rPr>
+                        <a:t>overall,</a:t>
+                      </a:r>
+                      <a:r>
+                        <a:rPr kumimoji="1" lang="ja-JP" altLang="en-US" sz="1400" b="0" dirty="0">
+                          <a:solidFill>
+                            <a:prstClr val="black"/>
+                          </a:solidFill>
+                          <a:latin typeface="+mn-lt"/>
+                        </a:rPr>
+                        <a:t> </a:t>
+                      </a:r>
+                      <a:r>
+                        <a:rPr kumimoji="1" lang="en-US" altLang="ja-JP" sz="1400" b="0" dirty="0">
+                          <a:solidFill>
+                            <a:prstClr val="black"/>
+                          </a:solidFill>
+                          <a:latin typeface="+mn-lt"/>
+                        </a:rPr>
+                        <a:t>vast song</a:t>
+                      </a:r>
+                      <a:r>
+                        <a:rPr kumimoji="1" lang="ja-JP" altLang="en-US" sz="1400" b="0" dirty="0">
+                          <a:solidFill>
+                            <a:prstClr val="black"/>
+                          </a:solidFill>
+                          <a:latin typeface="+mn-lt"/>
+                        </a:rPr>
+                        <a:t> </a:t>
+                      </a:r>
+                      <a:r>
+                        <a:rPr kumimoji="1" lang="en-US" altLang="ja-JP" sz="1400" b="0" dirty="0">
+                          <a:solidFill>
+                            <a:prstClr val="black"/>
+                          </a:solidFill>
+                          <a:latin typeface="+mn-lt"/>
+                        </a:rPr>
+                        <a:t>selections, Spotify Premium, and podcast</a:t>
+                      </a:r>
+                      <a:endParaRPr kumimoji="1" lang="en-US" altLang="ja-JP" sz="1400" b="0" dirty="0">
+                        <a:solidFill>
+                          <a:prstClr val="black"/>
+                        </a:solidFill>
                       </a:endParaRPr>
                     </a:p>
                   </a:txBody>
@@ -10379,187 +10959,222 @@
           </a:graphicData>
         </a:graphic>
       </p:graphicFrame>
-      <p:pic>
-        <p:nvPicPr>
-          <p:cNvPr id="3" name="Picture 2" descr="A screenshot of a computer&#10;&#10;Description automatically generated with medium confidence">
+      <p:sp>
+        <p:nvSpPr>
+          <p:cNvPr id="14" name="Title 1">
             <a:extLst>
               <a:ext uri="{FF2B5EF4-FFF2-40B4-BE49-F238E27FC236}">
-                <a16:creationId xmlns:a16="http://schemas.microsoft.com/office/drawing/2014/main" id="{6115EEC7-B85E-4FAE-8D5A-98EE382D1D26}"/>
+                <a16:creationId xmlns:a16="http://schemas.microsoft.com/office/drawing/2014/main" id="{10FF73CD-77CE-424D-A324-6FEDE6FB6436}"/>
               </a:ext>
             </a:extLst>
           </p:cNvPr>
-          <p:cNvPicPr>
-            <a:picLocks noChangeAspect="1"/>
-          </p:cNvPicPr>
+          <p:cNvSpPr txBox="1">
+            <a:spLocks/>
+          </p:cNvSpPr>
           <p:nvPr/>
-        </p:nvPicPr>
-        <p:blipFill rotWithShape="1">
-          <a:blip r:embed="rId2">
-            <a:extLst>
-              <a:ext uri="{28A0092B-C50C-407E-A947-70E740481C1C}">
-                <a14:useLocalDpi xmlns:a14="http://schemas.microsoft.com/office/drawing/2010/main" val="0"/>
-              </a:ext>
-            </a:extLst>
-          </a:blip>
-          <a:srcRect l="-727" t="4989" r="6126" b="6434"/>
-          <a:stretch/>
-        </p:blipFill>
+        </p:nvSpPr>
         <p:spPr>
           <a:xfrm>
-            <a:off x="1228308" y="2281368"/>
-            <a:ext cx="3242929" cy="1536405"/>
+            <a:off x="736110" y="701558"/>
+            <a:ext cx="11188700" cy="757238"/>
           </a:xfrm>
           <a:prstGeom prst="rect">
             <a:avLst/>
           </a:prstGeom>
-          <a:ln w="19050">
-            <a:solidFill>
-              <a:schemeClr val="tx1"/>
-            </a:solidFill>
-          </a:ln>
         </p:spPr>
-      </p:pic>
-      <p:sp>
-        <p:nvSpPr>
-          <p:cNvPr id="4" name="Rectangle 3">
-            <a:extLst>
-              <a:ext uri="{FF2B5EF4-FFF2-40B4-BE49-F238E27FC236}">
-                <a16:creationId xmlns:a16="http://schemas.microsoft.com/office/drawing/2014/main" id="{BE92E669-AAFC-4DAD-AF96-2EB8BD7AE7F1}"/>
-              </a:ext>
-            </a:extLst>
-          </p:cNvPr>
-          <p:cNvSpPr/>
-          <p:nvPr/>
-        </p:nvSpPr>
-        <p:spPr>
-          <a:xfrm>
-            <a:off x="3492795" y="3359463"/>
-            <a:ext cx="361507" cy="170121"/>
-          </a:xfrm>
-          <a:prstGeom prst="rect">
-            <a:avLst/>
-          </a:prstGeom>
-          <a:noFill/>
-          <a:ln w="19050">
-            <a:solidFill>
-              <a:srgbClr val="FF0000"/>
-            </a:solidFill>
-          </a:ln>
-        </p:spPr>
-        <p:style>
-          <a:lnRef idx="2">
-            <a:schemeClr val="accent1">
-              <a:shade val="50000"/>
-            </a:schemeClr>
-          </a:lnRef>
-          <a:fillRef idx="1">
-            <a:schemeClr val="accent1"/>
-          </a:fillRef>
-          <a:effectRef idx="0">
-            <a:schemeClr val="accent1"/>
-          </a:effectRef>
-          <a:fontRef idx="minor">
-            <a:schemeClr val="lt1"/>
-          </a:fontRef>
-        </p:style>
         <p:txBody>
-          <a:bodyPr rtlCol="0" anchor="ctr"/>
-          <a:lstStyle/>
-          <a:p>
-            <a:pPr algn="ctr"/>
-            <a:endParaRPr lang="en-US"/>
-          </a:p>
-        </p:txBody>
-      </p:sp>
-      <p:pic>
-        <p:nvPicPr>
-          <p:cNvPr id="17" name="Picture 16" descr="A screenshot of a computer&#10;&#10;Description automatically generated with medium confidence">
-            <a:extLst>
-              <a:ext uri="{FF2B5EF4-FFF2-40B4-BE49-F238E27FC236}">
-                <a16:creationId xmlns:a16="http://schemas.microsoft.com/office/drawing/2014/main" id="{AC95D0DB-E28B-4955-943F-84C66A9D078F}"/>
-              </a:ext>
-            </a:extLst>
-          </p:cNvPr>
-          <p:cNvPicPr>
-            <a:picLocks noChangeAspect="1"/>
-          </p:cNvPicPr>
-          <p:nvPr/>
-        </p:nvPicPr>
-        <p:blipFill rotWithShape="1">
-          <a:blip r:embed="rId3">
-            <a:extLst>
-              <a:ext uri="{28A0092B-C50C-407E-A947-70E740481C1C}">
-                <a14:useLocalDpi xmlns:a14="http://schemas.microsoft.com/office/drawing/2010/main" val="0"/>
-              </a:ext>
-            </a:extLst>
-          </a:blip>
-          <a:srcRect l="2171" t="8405" r="4349" b="7478"/>
-          <a:stretch/>
-        </p:blipFill>
-        <p:spPr>
-          <a:xfrm>
-            <a:off x="1228308" y="4552182"/>
-            <a:ext cx="3460174" cy="1410981"/>
-          </a:xfrm>
-          <a:prstGeom prst="rect">
-            <a:avLst/>
-          </a:prstGeom>
-          <a:ln w="19050">
-            <a:solidFill>
-              <a:schemeClr val="tx1"/>
-            </a:solidFill>
-          </a:ln>
-        </p:spPr>
-      </p:pic>
-      <p:sp>
-        <p:nvSpPr>
-          <p:cNvPr id="18" name="Rectangle 17">
-            <a:extLst>
-              <a:ext uri="{FF2B5EF4-FFF2-40B4-BE49-F238E27FC236}">
-                <a16:creationId xmlns:a16="http://schemas.microsoft.com/office/drawing/2014/main" id="{6CF645F4-051A-4D71-B1B4-96963BC326B0}"/>
-              </a:ext>
-            </a:extLst>
-          </p:cNvPr>
-          <p:cNvSpPr/>
-          <p:nvPr/>
-        </p:nvSpPr>
-        <p:spPr>
-          <a:xfrm>
-            <a:off x="3684533" y="5439740"/>
-            <a:ext cx="361507" cy="170121"/>
-          </a:xfrm>
-          <a:prstGeom prst="rect">
-            <a:avLst/>
-          </a:prstGeom>
-          <a:noFill/>
-          <a:ln w="19050">
-            <a:solidFill>
-              <a:srgbClr val="FF0000"/>
-            </a:solidFill>
-          </a:ln>
-        </p:spPr>
-        <p:style>
-          <a:lnRef idx="2">
-            <a:schemeClr val="accent1">
-              <a:shade val="50000"/>
-            </a:schemeClr>
-          </a:lnRef>
-          <a:fillRef idx="1">
-            <a:schemeClr val="accent1"/>
-          </a:fillRef>
-          <a:effectRef idx="0">
-            <a:schemeClr val="accent1"/>
-          </a:effectRef>
-          <a:fontRef idx="minor">
-            <a:schemeClr val="lt1"/>
-          </a:fontRef>
-        </p:style>
-        <p:txBody>
-          <a:bodyPr rtlCol="0" anchor="ctr"/>
-          <a:lstStyle/>
-          <a:p>
-            <a:pPr algn="ctr"/>
-            <a:endParaRPr lang="en-US"/>
+          <a:bodyPr vert="horz" lIns="0" tIns="0" rIns="0" bIns="0" rtlCol="0" anchor="b">
+            <a:noAutofit/>
+          </a:bodyPr>
+          <a:lstStyle>
+            <a:lvl1pPr marL="0" indent="0" algn="l" defTabSz="914400" rtl="0" eaLnBrk="1" latinLnBrk="0" hangingPunct="1">
+              <a:lnSpc>
+                <a:spcPct val="90000"/>
+              </a:lnSpc>
+              <a:spcBef>
+                <a:spcPts val="1000"/>
+              </a:spcBef>
+              <a:buFont typeface="Arial" panose="020B0604020202020204" pitchFamily="34" charset="0"/>
+              <a:buNone/>
+              <a:defRPr sz="1800" b="0" kern="1200">
+                <a:solidFill>
+                  <a:srgbClr val="575757"/>
+                </a:solidFill>
+                <a:latin typeface="+mn-lt"/>
+                <a:ea typeface="+mn-ea"/>
+                <a:cs typeface="+mn-cs"/>
+              </a:defRPr>
+            </a:lvl1pPr>
+            <a:lvl2pPr marL="685800" indent="-228600" algn="l" defTabSz="914400" rtl="0" eaLnBrk="1" latinLnBrk="0" hangingPunct="1">
+              <a:lnSpc>
+                <a:spcPct val="90000"/>
+              </a:lnSpc>
+              <a:spcBef>
+                <a:spcPts val="500"/>
+              </a:spcBef>
+              <a:buFont typeface="Arial" panose="020B0604020202020204" pitchFamily="34" charset="0"/>
+              <a:buChar char="•"/>
+              <a:defRPr sz="2400" kern="1200">
+                <a:solidFill>
+                  <a:schemeClr val="tx1"/>
+                </a:solidFill>
+                <a:latin typeface="+mn-lt"/>
+                <a:ea typeface="+mn-ea"/>
+                <a:cs typeface="+mn-cs"/>
+              </a:defRPr>
+            </a:lvl2pPr>
+            <a:lvl3pPr marL="1143000" indent="-228600" algn="l" defTabSz="914400" rtl="0" eaLnBrk="1" latinLnBrk="0" hangingPunct="1">
+              <a:lnSpc>
+                <a:spcPct val="90000"/>
+              </a:lnSpc>
+              <a:spcBef>
+                <a:spcPts val="500"/>
+              </a:spcBef>
+              <a:buFont typeface="Arial" panose="020B0604020202020204" pitchFamily="34" charset="0"/>
+              <a:buChar char="•"/>
+              <a:defRPr sz="2000" kern="1200">
+                <a:solidFill>
+                  <a:schemeClr val="tx1"/>
+                </a:solidFill>
+                <a:latin typeface="+mn-lt"/>
+                <a:ea typeface="+mn-ea"/>
+                <a:cs typeface="+mn-cs"/>
+              </a:defRPr>
+            </a:lvl3pPr>
+            <a:lvl4pPr marL="1600200" indent="-228600" algn="l" defTabSz="914400" rtl="0" eaLnBrk="1" latinLnBrk="0" hangingPunct="1">
+              <a:lnSpc>
+                <a:spcPct val="90000"/>
+              </a:lnSpc>
+              <a:spcBef>
+                <a:spcPts val="500"/>
+              </a:spcBef>
+              <a:buFont typeface="Arial" panose="020B0604020202020204" pitchFamily="34" charset="0"/>
+              <a:buChar char="•"/>
+              <a:defRPr sz="1800" kern="1200">
+                <a:solidFill>
+                  <a:schemeClr val="tx1"/>
+                </a:solidFill>
+                <a:latin typeface="+mn-lt"/>
+                <a:ea typeface="+mn-ea"/>
+                <a:cs typeface="+mn-cs"/>
+              </a:defRPr>
+            </a:lvl4pPr>
+            <a:lvl5pPr marL="2057400" indent="-228600" algn="l" defTabSz="914400" rtl="0" eaLnBrk="1" latinLnBrk="0" hangingPunct="1">
+              <a:lnSpc>
+                <a:spcPct val="90000"/>
+              </a:lnSpc>
+              <a:spcBef>
+                <a:spcPts val="500"/>
+              </a:spcBef>
+              <a:buFont typeface="Arial" panose="020B0604020202020204" pitchFamily="34" charset="0"/>
+              <a:buChar char="•"/>
+              <a:defRPr sz="1800" kern="1200">
+                <a:solidFill>
+                  <a:schemeClr val="tx1"/>
+                </a:solidFill>
+                <a:latin typeface="+mn-lt"/>
+                <a:ea typeface="+mn-ea"/>
+                <a:cs typeface="+mn-cs"/>
+              </a:defRPr>
+            </a:lvl5pPr>
+            <a:lvl6pPr marL="2514600" indent="-228600" algn="l" defTabSz="914400" rtl="0" eaLnBrk="1" latinLnBrk="0" hangingPunct="1">
+              <a:lnSpc>
+                <a:spcPct val="90000"/>
+              </a:lnSpc>
+              <a:spcBef>
+                <a:spcPts val="500"/>
+              </a:spcBef>
+              <a:buFont typeface="Arial" panose="020B0604020202020204" pitchFamily="34" charset="0"/>
+              <a:buChar char="•"/>
+              <a:defRPr sz="1800" kern="1200">
+                <a:solidFill>
+                  <a:schemeClr val="tx1"/>
+                </a:solidFill>
+                <a:latin typeface="+mn-lt"/>
+                <a:ea typeface="+mn-ea"/>
+                <a:cs typeface="+mn-cs"/>
+              </a:defRPr>
+            </a:lvl6pPr>
+            <a:lvl7pPr marL="2971800" indent="-228600" algn="l" defTabSz="914400" rtl="0" eaLnBrk="1" latinLnBrk="0" hangingPunct="1">
+              <a:lnSpc>
+                <a:spcPct val="90000"/>
+              </a:lnSpc>
+              <a:spcBef>
+                <a:spcPts val="500"/>
+              </a:spcBef>
+              <a:buFont typeface="Arial" panose="020B0604020202020204" pitchFamily="34" charset="0"/>
+              <a:buChar char="•"/>
+              <a:defRPr sz="1800" kern="1200">
+                <a:solidFill>
+                  <a:schemeClr val="tx1"/>
+                </a:solidFill>
+                <a:latin typeface="+mn-lt"/>
+                <a:ea typeface="+mn-ea"/>
+                <a:cs typeface="+mn-cs"/>
+              </a:defRPr>
+            </a:lvl7pPr>
+            <a:lvl8pPr marL="3429000" indent="-228600" algn="l" defTabSz="914400" rtl="0" eaLnBrk="1" latinLnBrk="0" hangingPunct="1">
+              <a:lnSpc>
+                <a:spcPct val="90000"/>
+              </a:lnSpc>
+              <a:spcBef>
+                <a:spcPts val="500"/>
+              </a:spcBef>
+              <a:buFont typeface="Arial" panose="020B0604020202020204" pitchFamily="34" charset="0"/>
+              <a:buChar char="•"/>
+              <a:defRPr sz="1800" kern="1200">
+                <a:solidFill>
+                  <a:schemeClr val="tx1"/>
+                </a:solidFill>
+                <a:latin typeface="+mn-lt"/>
+                <a:ea typeface="+mn-ea"/>
+                <a:cs typeface="+mn-cs"/>
+              </a:defRPr>
+            </a:lvl8pPr>
+            <a:lvl9pPr marL="3886200" indent="-228600" algn="l" defTabSz="914400" rtl="0" eaLnBrk="1" latinLnBrk="0" hangingPunct="1">
+              <a:lnSpc>
+                <a:spcPct val="90000"/>
+              </a:lnSpc>
+              <a:spcBef>
+                <a:spcPts val="500"/>
+              </a:spcBef>
+              <a:buFont typeface="Arial" panose="020B0604020202020204" pitchFamily="34" charset="0"/>
+              <a:buChar char="•"/>
+              <a:defRPr sz="1800" kern="1200">
+                <a:solidFill>
+                  <a:schemeClr val="tx1"/>
+                </a:solidFill>
+                <a:latin typeface="+mn-lt"/>
+                <a:ea typeface="+mn-ea"/>
+                <a:cs typeface="+mn-cs"/>
+              </a:defRPr>
+            </a:lvl9pPr>
+          </a:lstStyle>
+          <a:p>
+            <a:pPr marL="12700">
+              <a:spcBef>
+                <a:spcPts val="100"/>
+              </a:spcBef>
+            </a:pPr>
+            <a:r>
+              <a:rPr lang="en-US" sz="2400" spc="-5" dirty="0">
+                <a:solidFill>
+                  <a:schemeClr val="tx1"/>
+                </a:solidFill>
+                <a:latin typeface="Open Sans Light" panose="020B0306030504020204" pitchFamily="34" charset="0"/>
+                <a:ea typeface="Open Sans Light" panose="020B0306030504020204" pitchFamily="34" charset="0"/>
+                <a:cs typeface="Open Sans Light" panose="020B0306030504020204" pitchFamily="34" charset="0"/>
+              </a:rPr>
+              <a:t>Results: Key Findings</a:t>
+            </a:r>
+            <a:endParaRPr lang="en-US" sz="2400" dirty="0">
+              <a:solidFill>
+                <a:schemeClr val="tx1"/>
+              </a:solidFill>
+              <a:latin typeface="Open Sans Light" panose="020B0306030504020204" pitchFamily="34" charset="0"/>
+              <a:ea typeface="Open Sans Light" panose="020B0306030504020204" pitchFamily="34" charset="0"/>
+              <a:cs typeface="Open Sans Light" panose="020B0306030504020204" pitchFamily="34" charset="0"/>
+            </a:endParaRPr>
           </a:p>
         </p:txBody>
       </p:sp>
@@ -10578,7 +11193,7 @@
           <p:nvPr/>
         </p:nvPicPr>
         <p:blipFill rotWithShape="1">
-          <a:blip r:embed="rId4">
+          <a:blip r:embed="rId2">
             <a:extLst>
               <a:ext uri="{28A0092B-C50C-407E-A947-70E740481C1C}">
                 <a14:useLocalDpi xmlns:a14="http://schemas.microsoft.com/office/drawing/2010/main" val="0"/>
@@ -10590,8 +11205,8 @@
         </p:blipFill>
         <p:spPr>
           <a:xfrm>
-            <a:off x="7668162" y="2595655"/>
-            <a:ext cx="2491679" cy="1666689"/>
+            <a:off x="374143" y="3980529"/>
+            <a:ext cx="2964483" cy="1982949"/>
           </a:xfrm>
           <a:prstGeom prst="rect">
             <a:avLst/>
@@ -10613,7 +11228,7 @@
           <p:nvPr/>
         </p:nvPicPr>
         <p:blipFill>
-          <a:blip r:embed="rId5">
+          <a:blip r:embed="rId3">
             <a:extLst>
               <a:ext uri="{28A0092B-C50C-407E-A947-70E740481C1C}">
                 <a14:useLocalDpi xmlns:a14="http://schemas.microsoft.com/office/drawing/2010/main" val="0"/>
@@ -10626,18 +11241,220 @@
         </p:blipFill>
         <p:spPr>
           <a:xfrm>
-            <a:off x="7692599" y="5015500"/>
-            <a:ext cx="2442807" cy="1664208"/>
+            <a:off x="6749071" y="3964195"/>
+            <a:ext cx="2912577" cy="1984248"/>
           </a:xfrm>
           <a:prstGeom prst="rect">
             <a:avLst/>
           </a:prstGeom>
         </p:spPr>
       </p:pic>
+      <p:grpSp>
+        <p:nvGrpSpPr>
+          <p:cNvPr id="7" name="Group 6">
+            <a:extLst>
+              <a:ext uri="{FF2B5EF4-FFF2-40B4-BE49-F238E27FC236}">
+                <a16:creationId xmlns:a16="http://schemas.microsoft.com/office/drawing/2014/main" id="{017A34B4-79F8-432C-A967-5E24FCEB36B9}"/>
+              </a:ext>
+            </a:extLst>
+          </p:cNvPr>
+          <p:cNvGrpSpPr/>
+          <p:nvPr/>
+        </p:nvGrpSpPr>
+        <p:grpSpPr>
+          <a:xfrm>
+            <a:off x="2137237" y="2006443"/>
+            <a:ext cx="3279959" cy="3114048"/>
+            <a:chOff x="1991803" y="1984112"/>
+            <a:chExt cx="3005638" cy="2908425"/>
+          </a:xfrm>
+        </p:grpSpPr>
+        <p:pic>
+          <p:nvPicPr>
+            <p:cNvPr id="19" name="Picture 18" descr="A picture containing table&#10;&#10;Description automatically generated">
+              <a:extLst>
+                <a:ext uri="{FF2B5EF4-FFF2-40B4-BE49-F238E27FC236}">
+                  <a16:creationId xmlns:a16="http://schemas.microsoft.com/office/drawing/2014/main" id="{BC02F999-9547-4289-AD70-77997D8CB171}"/>
+                </a:ext>
+              </a:extLst>
+            </p:cNvPr>
+            <p:cNvPicPr>
+              <a:picLocks noChangeAspect="1"/>
+            </p:cNvPicPr>
+            <p:nvPr/>
+          </p:nvPicPr>
+          <p:blipFill rotWithShape="1">
+            <a:blip r:embed="rId4">
+              <a:extLst>
+                <a:ext uri="{28A0092B-C50C-407E-A947-70E740481C1C}">
+                  <a14:useLocalDpi xmlns:a14="http://schemas.microsoft.com/office/drawing/2010/main" val="0"/>
+                </a:ext>
+              </a:extLst>
+            </a:blip>
+            <a:srcRect l="16093" t="2413" b="49267"/>
+            <a:stretch/>
+          </p:blipFill>
+          <p:spPr>
+            <a:xfrm>
+              <a:off x="1991803" y="1984112"/>
+              <a:ext cx="1502819" cy="2908425"/>
+            </a:xfrm>
+            <a:prstGeom prst="rect">
+              <a:avLst/>
+            </a:prstGeom>
+            <a:ln w="3175">
+              <a:solidFill>
+                <a:srgbClr val="A5A5A5"/>
+              </a:solidFill>
+            </a:ln>
+          </p:spPr>
+        </p:pic>
+        <p:pic>
+          <p:nvPicPr>
+            <p:cNvPr id="20" name="Picture 19" descr="A picture containing table&#10;&#10;Description automatically generated">
+              <a:extLst>
+                <a:ext uri="{FF2B5EF4-FFF2-40B4-BE49-F238E27FC236}">
+                  <a16:creationId xmlns:a16="http://schemas.microsoft.com/office/drawing/2014/main" id="{5FC45460-F243-4B79-BA82-323394BB617E}"/>
+                </a:ext>
+              </a:extLst>
+            </p:cNvPr>
+            <p:cNvPicPr>
+              <a:picLocks noChangeAspect="1"/>
+            </p:cNvPicPr>
+            <p:nvPr/>
+          </p:nvPicPr>
+          <p:blipFill rotWithShape="1">
+            <a:blip r:embed="rId4">
+              <a:extLst>
+                <a:ext uri="{28A0092B-C50C-407E-A947-70E740481C1C}">
+                  <a14:useLocalDpi xmlns:a14="http://schemas.microsoft.com/office/drawing/2010/main" val="0"/>
+                </a:ext>
+              </a:extLst>
+            </a:blip>
+            <a:srcRect l="16093" t="50522" b="1159"/>
+            <a:stretch/>
+          </p:blipFill>
+          <p:spPr>
+            <a:xfrm>
+              <a:off x="3494622" y="1984112"/>
+              <a:ext cx="1502819" cy="2908425"/>
+            </a:xfrm>
+            <a:prstGeom prst="rect">
+              <a:avLst/>
+            </a:prstGeom>
+            <a:ln w="3175">
+              <a:solidFill>
+                <a:srgbClr val="A5A5A5"/>
+              </a:solidFill>
+            </a:ln>
+          </p:spPr>
+        </p:pic>
+      </p:grpSp>
+      <p:grpSp>
+        <p:nvGrpSpPr>
+          <p:cNvPr id="10" name="Group 9">
+            <a:extLst>
+              <a:ext uri="{FF2B5EF4-FFF2-40B4-BE49-F238E27FC236}">
+                <a16:creationId xmlns:a16="http://schemas.microsoft.com/office/drawing/2014/main" id="{DC0CA67C-7E85-4F98-BDF1-DCCF81976FDC}"/>
+              </a:ext>
+            </a:extLst>
+          </p:cNvPr>
+          <p:cNvGrpSpPr/>
+          <p:nvPr/>
+        </p:nvGrpSpPr>
+        <p:grpSpPr>
+          <a:xfrm>
+            <a:off x="8500533" y="1869948"/>
+            <a:ext cx="3107755" cy="3118104"/>
+            <a:chOff x="9052743" y="2241029"/>
+            <a:chExt cx="2741806" cy="2220245"/>
+          </a:xfrm>
+        </p:grpSpPr>
+        <p:pic>
+          <p:nvPicPr>
+            <p:cNvPr id="9" name="Picture 8" descr="Table&#10;&#10;Description automatically generated with low confidence">
+              <a:extLst>
+                <a:ext uri="{FF2B5EF4-FFF2-40B4-BE49-F238E27FC236}">
+                  <a16:creationId xmlns:a16="http://schemas.microsoft.com/office/drawing/2014/main" id="{D7C72FF7-E09C-437B-9389-CDA2FA3B193E}"/>
+                </a:ext>
+              </a:extLst>
+            </p:cNvPr>
+            <p:cNvPicPr>
+              <a:picLocks noChangeAspect="1"/>
+            </p:cNvPicPr>
+            <p:nvPr/>
+          </p:nvPicPr>
+          <p:blipFill rotWithShape="1">
+            <a:blip r:embed="rId5">
+              <a:extLst>
+                <a:ext uri="{28A0092B-C50C-407E-A947-70E740481C1C}">
+                  <a14:useLocalDpi xmlns:a14="http://schemas.microsoft.com/office/drawing/2010/main" val="0"/>
+                </a:ext>
+              </a:extLst>
+            </a:blip>
+            <a:srcRect l="13468" t="2168" b="51553"/>
+            <a:stretch/>
+          </p:blipFill>
+          <p:spPr>
+            <a:xfrm>
+              <a:off x="9052743" y="2241621"/>
+              <a:ext cx="1419125" cy="2219653"/>
+            </a:xfrm>
+            <a:prstGeom prst="rect">
+              <a:avLst/>
+            </a:prstGeom>
+            <a:ln>
+              <a:solidFill>
+                <a:srgbClr val="A5A5A5"/>
+              </a:solidFill>
+            </a:ln>
+          </p:spPr>
+        </p:pic>
+        <p:pic>
+          <p:nvPicPr>
+            <p:cNvPr id="25" name="Picture 24" descr="Table&#10;&#10;Description automatically generated with low confidence">
+              <a:extLst>
+                <a:ext uri="{FF2B5EF4-FFF2-40B4-BE49-F238E27FC236}">
+                  <a16:creationId xmlns:a16="http://schemas.microsoft.com/office/drawing/2014/main" id="{D8BF9574-9BE5-4D9F-82D2-2958118C4EBD}"/>
+                </a:ext>
+              </a:extLst>
+            </p:cNvPr>
+            <p:cNvPicPr>
+              <a:picLocks noChangeAspect="1"/>
+            </p:cNvPicPr>
+            <p:nvPr/>
+          </p:nvPicPr>
+          <p:blipFill rotWithShape="1">
+            <a:blip r:embed="rId5">
+              <a:extLst>
+                <a:ext uri="{28A0092B-C50C-407E-A947-70E740481C1C}">
+                  <a14:useLocalDpi xmlns:a14="http://schemas.microsoft.com/office/drawing/2010/main" val="0"/>
+                </a:ext>
+              </a:extLst>
+            </a:blip>
+            <a:srcRect l="12390" t="48513" b="1213"/>
+            <a:stretch/>
+          </p:blipFill>
+          <p:spPr>
+            <a:xfrm>
+              <a:off x="10471868" y="2241029"/>
+              <a:ext cx="1322681" cy="2219653"/>
+            </a:xfrm>
+            <a:prstGeom prst="rect">
+              <a:avLst/>
+            </a:prstGeom>
+            <a:ln>
+              <a:solidFill>
+                <a:srgbClr val="A5A5A5"/>
+              </a:solidFill>
+            </a:ln>
+          </p:spPr>
+        </p:pic>
+      </p:grpSp>
     </p:spTree>
     <p:extLst>
       <p:ext uri="{BB962C8B-B14F-4D97-AF65-F5344CB8AC3E}">
-        <p14:creationId xmlns:p14="http://schemas.microsoft.com/office/powerpoint/2010/main" val="3406970536"/>
+        <p14:creationId xmlns:p14="http://schemas.microsoft.com/office/powerpoint/2010/main" val="3354717718"/>
       </p:ext>
     </p:extLst>
   </p:cSld>
